--- a/slides/2-AmbienteJava.pptx
+++ b/slides/2-AmbienteJava.pptx
@@ -214,7 +214,7 @@
             <a:fld id="{8478C54E-4FE2-4F2D-8BA0-82A0C6A1764B}" type="datetimeFigureOut">
               <a:rPr lang="pt-BR" smtClean="0"/>
               <a:pPr/>
-              <a:t>02/01/2012</a:t>
+              <a:t>07/01/2012</a:t>
             </a:fld>
             <a:endParaRPr lang="pt-BR"/>
           </a:p>
@@ -383,7 +383,7 @@
     </p:spTree>
     <p:extLst>
       <p:ext uri="{BB962C8B-B14F-4D97-AF65-F5344CB8AC3E}">
-        <p14:creationId xmlns="" xmlns:p14="http://schemas.microsoft.com/office/powerpoint/2010/main" val="856038157"/>
+        <p14:creationId xmlns:p14="http://schemas.microsoft.com/office/powerpoint/2010/main" xmlns="" val="856038157"/>
       </p:ext>
     </p:extLst>
   </p:cSld>
@@ -558,7 +558,7 @@
     </p:spTree>
     <p:extLst>
       <p:ext uri="{BB962C8B-B14F-4D97-AF65-F5344CB8AC3E}">
-        <p14:creationId xmlns="" xmlns:p14="http://schemas.microsoft.com/office/powerpoint/2010/main" val="1127043079"/>
+        <p14:creationId xmlns:p14="http://schemas.microsoft.com/office/powerpoint/2010/main" xmlns="" val="1127043079"/>
       </p:ext>
     </p:extLst>
   </p:cSld>
@@ -643,7 +643,7 @@
     </p:spTree>
     <p:extLst>
       <p:ext uri="{BB962C8B-B14F-4D97-AF65-F5344CB8AC3E}">
-        <p14:creationId xmlns="" xmlns:p14="http://schemas.microsoft.com/office/powerpoint/2010/main" val="2169336666"/>
+        <p14:creationId xmlns:p14="http://schemas.microsoft.com/office/powerpoint/2010/main" xmlns="" val="2169336666"/>
       </p:ext>
     </p:extLst>
   </p:cSld>
@@ -728,7 +728,7 @@
     </p:spTree>
     <p:extLst>
       <p:ext uri="{BB962C8B-B14F-4D97-AF65-F5344CB8AC3E}">
-        <p14:creationId xmlns="" xmlns:p14="http://schemas.microsoft.com/office/powerpoint/2010/main" val="1588010723"/>
+        <p14:creationId xmlns:p14="http://schemas.microsoft.com/office/powerpoint/2010/main" xmlns="" val="1588010723"/>
       </p:ext>
     </p:extLst>
   </p:cSld>
@@ -813,7 +813,7 @@
     </p:spTree>
     <p:extLst>
       <p:ext uri="{BB962C8B-B14F-4D97-AF65-F5344CB8AC3E}">
-        <p14:creationId xmlns="" xmlns:p14="http://schemas.microsoft.com/office/powerpoint/2010/main" val="1192342838"/>
+        <p14:creationId xmlns:p14="http://schemas.microsoft.com/office/powerpoint/2010/main" xmlns="" val="1192342838"/>
       </p:ext>
     </p:extLst>
   </p:cSld>
@@ -898,7 +898,7 @@
     </p:spTree>
     <p:extLst>
       <p:ext uri="{BB962C8B-B14F-4D97-AF65-F5344CB8AC3E}">
-        <p14:creationId xmlns="" xmlns:p14="http://schemas.microsoft.com/office/powerpoint/2010/main" val="1660525573"/>
+        <p14:creationId xmlns:p14="http://schemas.microsoft.com/office/powerpoint/2010/main" xmlns="" val="1660525573"/>
       </p:ext>
     </p:extLst>
   </p:cSld>
@@ -983,7 +983,7 @@
     </p:spTree>
     <p:extLst>
       <p:ext uri="{BB962C8B-B14F-4D97-AF65-F5344CB8AC3E}">
-        <p14:creationId xmlns="" xmlns:p14="http://schemas.microsoft.com/office/powerpoint/2010/main" val="90049416"/>
+        <p14:creationId xmlns:p14="http://schemas.microsoft.com/office/powerpoint/2010/main" xmlns="" val="90049416"/>
       </p:ext>
     </p:extLst>
   </p:cSld>
@@ -1068,7 +1068,7 @@
     </p:spTree>
     <p:extLst>
       <p:ext uri="{BB962C8B-B14F-4D97-AF65-F5344CB8AC3E}">
-        <p14:creationId xmlns="" xmlns:p14="http://schemas.microsoft.com/office/powerpoint/2010/main" val="1800309544"/>
+        <p14:creationId xmlns:p14="http://schemas.microsoft.com/office/powerpoint/2010/main" xmlns="" val="1800309544"/>
       </p:ext>
     </p:extLst>
   </p:cSld>
@@ -1153,7 +1153,7 @@
     </p:spTree>
     <p:extLst>
       <p:ext uri="{BB962C8B-B14F-4D97-AF65-F5344CB8AC3E}">
-        <p14:creationId xmlns="" xmlns:p14="http://schemas.microsoft.com/office/powerpoint/2010/main" val="1257025647"/>
+        <p14:creationId xmlns:p14="http://schemas.microsoft.com/office/powerpoint/2010/main" xmlns="" val="1257025647"/>
       </p:ext>
     </p:extLst>
   </p:cSld>
@@ -1238,7 +1238,7 @@
     </p:spTree>
     <p:extLst>
       <p:ext uri="{BB962C8B-B14F-4D97-AF65-F5344CB8AC3E}">
-        <p14:creationId xmlns="" xmlns:p14="http://schemas.microsoft.com/office/powerpoint/2010/main" val="771887568"/>
+        <p14:creationId xmlns:p14="http://schemas.microsoft.com/office/powerpoint/2010/main" xmlns="" val="771887568"/>
       </p:ext>
     </p:extLst>
   </p:cSld>
@@ -1323,7 +1323,7 @@
     </p:spTree>
     <p:extLst>
       <p:ext uri="{BB962C8B-B14F-4D97-AF65-F5344CB8AC3E}">
-        <p14:creationId xmlns="" xmlns:p14="http://schemas.microsoft.com/office/powerpoint/2010/main" val="2891726635"/>
+        <p14:creationId xmlns:p14="http://schemas.microsoft.com/office/powerpoint/2010/main" xmlns="" val="2891726635"/>
       </p:ext>
     </p:extLst>
   </p:cSld>
@@ -1408,7 +1408,7 @@
     </p:spTree>
     <p:extLst>
       <p:ext uri="{BB962C8B-B14F-4D97-AF65-F5344CB8AC3E}">
-        <p14:creationId xmlns="" xmlns:p14="http://schemas.microsoft.com/office/powerpoint/2010/main" val="3781205113"/>
+        <p14:creationId xmlns:p14="http://schemas.microsoft.com/office/powerpoint/2010/main" xmlns="" val="3781205113"/>
       </p:ext>
     </p:extLst>
   </p:cSld>
@@ -1493,7 +1493,7 @@
     </p:spTree>
     <p:extLst>
       <p:ext uri="{BB962C8B-B14F-4D97-AF65-F5344CB8AC3E}">
-        <p14:creationId xmlns="" xmlns:p14="http://schemas.microsoft.com/office/powerpoint/2010/main" val="3278746458"/>
+        <p14:creationId xmlns:p14="http://schemas.microsoft.com/office/powerpoint/2010/main" xmlns="" val="3278746458"/>
       </p:ext>
     </p:extLst>
   </p:cSld>
@@ -1578,7 +1578,7 @@
     </p:spTree>
     <p:extLst>
       <p:ext uri="{BB962C8B-B14F-4D97-AF65-F5344CB8AC3E}">
-        <p14:creationId xmlns="" xmlns:p14="http://schemas.microsoft.com/office/powerpoint/2010/main" val="3182283297"/>
+        <p14:creationId xmlns:p14="http://schemas.microsoft.com/office/powerpoint/2010/main" xmlns="" val="3182283297"/>
       </p:ext>
     </p:extLst>
   </p:cSld>
@@ -1663,7 +1663,7 @@
     </p:spTree>
     <p:extLst>
       <p:ext uri="{BB962C8B-B14F-4D97-AF65-F5344CB8AC3E}">
-        <p14:creationId xmlns="" xmlns:p14="http://schemas.microsoft.com/office/powerpoint/2010/main" val="987211773"/>
+        <p14:creationId xmlns:p14="http://schemas.microsoft.com/office/powerpoint/2010/main" xmlns="" val="987211773"/>
       </p:ext>
     </p:extLst>
   </p:cSld>
@@ -1748,7 +1748,7 @@
     </p:spTree>
     <p:extLst>
       <p:ext uri="{BB962C8B-B14F-4D97-AF65-F5344CB8AC3E}">
-        <p14:creationId xmlns="" xmlns:p14="http://schemas.microsoft.com/office/powerpoint/2010/main" val="926932866"/>
+        <p14:creationId xmlns:p14="http://schemas.microsoft.com/office/powerpoint/2010/main" xmlns="" val="926932866"/>
       </p:ext>
     </p:extLst>
   </p:cSld>
@@ -1833,7 +1833,7 @@
     </p:spTree>
     <p:extLst>
       <p:ext uri="{BB962C8B-B14F-4D97-AF65-F5344CB8AC3E}">
-        <p14:creationId xmlns="" xmlns:p14="http://schemas.microsoft.com/office/powerpoint/2010/main" val="581346620"/>
+        <p14:creationId xmlns:p14="http://schemas.microsoft.com/office/powerpoint/2010/main" xmlns="" val="581346620"/>
       </p:ext>
     </p:extLst>
   </p:cSld>
@@ -1918,7 +1918,7 @@
     </p:spTree>
     <p:extLst>
       <p:ext uri="{BB962C8B-B14F-4D97-AF65-F5344CB8AC3E}">
-        <p14:creationId xmlns="" xmlns:p14="http://schemas.microsoft.com/office/powerpoint/2010/main" val="1493323674"/>
+        <p14:creationId xmlns:p14="http://schemas.microsoft.com/office/powerpoint/2010/main" xmlns="" val="1493323674"/>
       </p:ext>
     </p:extLst>
   </p:cSld>
@@ -2119,7 +2119,7 @@
             <a:fld id="{B4E7ACB1-C3B5-47C6-AE9F-6E5695BE8FDA}" type="datetimeFigureOut">
               <a:rPr lang="pt-BR" smtClean="0"/>
               <a:pPr/>
-              <a:t>02/01/2012</a:t>
+              <a:t>07/01/2012</a:t>
             </a:fld>
             <a:endParaRPr lang="pt-BR"/>
           </a:p>
@@ -2171,7 +2171,7 @@
     </p:spTree>
     <p:extLst>
       <p:ext uri="{BB962C8B-B14F-4D97-AF65-F5344CB8AC3E}">
-        <p14:creationId xmlns="" xmlns:p14="http://schemas.microsoft.com/office/powerpoint/2010/main" val="3819067513"/>
+        <p14:creationId xmlns:p14="http://schemas.microsoft.com/office/powerpoint/2010/main" xmlns="" val="3819067513"/>
       </p:ext>
     </p:extLst>
   </p:cSld>
@@ -2343,7 +2343,7 @@
             <a:fld id="{B4E7ACB1-C3B5-47C6-AE9F-6E5695BE8FDA}" type="datetimeFigureOut">
               <a:rPr lang="pt-BR" smtClean="0"/>
               <a:pPr/>
-              <a:t>02/01/2012</a:t>
+              <a:t>07/01/2012</a:t>
             </a:fld>
             <a:endParaRPr lang="pt-BR"/>
           </a:p>
@@ -2395,7 +2395,7 @@
     </p:spTree>
     <p:extLst>
       <p:ext uri="{BB962C8B-B14F-4D97-AF65-F5344CB8AC3E}">
-        <p14:creationId xmlns="" xmlns:p14="http://schemas.microsoft.com/office/powerpoint/2010/main" val="4293683188"/>
+        <p14:creationId xmlns:p14="http://schemas.microsoft.com/office/powerpoint/2010/main" xmlns="" val="4293683188"/>
       </p:ext>
     </p:extLst>
   </p:cSld>
@@ -2577,7 +2577,7 @@
             <a:fld id="{B4E7ACB1-C3B5-47C6-AE9F-6E5695BE8FDA}" type="datetimeFigureOut">
               <a:rPr lang="pt-BR" smtClean="0"/>
               <a:pPr/>
-              <a:t>02/01/2012</a:t>
+              <a:t>07/01/2012</a:t>
             </a:fld>
             <a:endParaRPr lang="pt-BR"/>
           </a:p>
@@ -2629,7 +2629,7 @@
     </p:spTree>
     <p:extLst>
       <p:ext uri="{BB962C8B-B14F-4D97-AF65-F5344CB8AC3E}">
-        <p14:creationId xmlns="" xmlns:p14="http://schemas.microsoft.com/office/powerpoint/2010/main" val="932540526"/>
+        <p14:creationId xmlns:p14="http://schemas.microsoft.com/office/powerpoint/2010/main" xmlns="" val="932540526"/>
       </p:ext>
     </p:extLst>
   </p:cSld>
@@ -2673,10 +2673,10 @@
           <p:nvPr userDrawn="1"/>
         </p:nvPicPr>
         <p:blipFill>
-          <a:blip r:embed="rId2">
+          <a:blip r:embed="rId2" cstate="print">
             <a:extLst>
               <a:ext uri="{BEBA8EAE-BF5A-486C-A8C5-ECC9F3942E4B}">
-                <a14:imgProps xmlns="" xmlns:a14="http://schemas.microsoft.com/office/drawing/2010/main">
+                <a14:imgProps xmlns:a14="http://schemas.microsoft.com/office/drawing/2010/main" xmlns="">
                   <a14:imgLayer r:embed="rId3">
                     <a14:imgEffect>
                       <a14:artisticBlur/>
@@ -2685,7 +2685,7 @@
                 </a14:imgProps>
               </a:ext>
               <a:ext uri="{28A0092B-C50C-407E-A947-70E740481C1C}">
-                <a14:useLocalDpi xmlns="" xmlns:a14="http://schemas.microsoft.com/office/drawing/2010/main" val="0"/>
+                <a14:useLocalDpi xmlns:a14="http://schemas.microsoft.com/office/drawing/2010/main" xmlns="" val="0"/>
               </a:ext>
             </a:extLst>
           </a:blip>
@@ -2707,14 +2707,14 @@
           </a:ln>
           <a:extLst>
             <a:ext uri="{909E8E84-426E-40DD-AFC4-6F175D3DCCD1}">
-              <a14:hiddenFill xmlns="" xmlns:a14="http://schemas.microsoft.com/office/drawing/2010/main">
+              <a14:hiddenFill xmlns:a14="http://schemas.microsoft.com/office/drawing/2010/main" xmlns="">
                 <a:solidFill>
                   <a:schemeClr val="accent1"/>
                 </a:solidFill>
               </a14:hiddenFill>
             </a:ext>
             <a:ext uri="{91240B29-F687-4F45-9708-019B960494DF}">
-              <a14:hiddenLine xmlns="" xmlns:a14="http://schemas.microsoft.com/office/drawing/2010/main" w="9525">
+              <a14:hiddenLine xmlns:a14="http://schemas.microsoft.com/office/drawing/2010/main" xmlns="" w="9525">
                 <a:solidFill>
                   <a:schemeClr val="tx1"/>
                 </a:solidFill>
@@ -2724,7 +2724,7 @@
               </a14:hiddenLine>
             </a:ext>
             <a:ext uri="{AF507438-7753-43E0-B8FC-AC1667EBCBE1}">
-              <a14:hiddenEffects xmlns="" xmlns:a14="http://schemas.microsoft.com/office/drawing/2010/main">
+              <a14:hiddenEffects xmlns:a14="http://schemas.microsoft.com/office/drawing/2010/main" xmlns="">
                 <a:effectLst>
                   <a:outerShdw dist="35921" dir="2700000" algn="ctr" rotWithShape="0">
                     <a:schemeClr val="bg2"/>
@@ -2920,7 +2920,7 @@
             <a:fld id="{B4E7ACB1-C3B5-47C6-AE9F-6E5695BE8FDA}" type="datetimeFigureOut">
               <a:rPr lang="pt-BR" smtClean="0"/>
               <a:pPr/>
-              <a:t>02/01/2012</a:t>
+              <a:t>07/01/2012</a:t>
             </a:fld>
             <a:endParaRPr lang="pt-BR"/>
           </a:p>
@@ -2972,7 +2972,7 @@
     </p:spTree>
     <p:extLst>
       <p:ext uri="{BB962C8B-B14F-4D97-AF65-F5344CB8AC3E}">
-        <p14:creationId xmlns="" xmlns:p14="http://schemas.microsoft.com/office/powerpoint/2010/main" val="1140807732"/>
+        <p14:creationId xmlns:p14="http://schemas.microsoft.com/office/powerpoint/2010/main" xmlns="" val="1140807732"/>
       </p:ext>
     </p:extLst>
   </p:cSld>
@@ -3178,7 +3178,7 @@
             <a:fld id="{B4E7ACB1-C3B5-47C6-AE9F-6E5695BE8FDA}" type="datetimeFigureOut">
               <a:rPr lang="pt-BR" smtClean="0"/>
               <a:pPr/>
-              <a:t>02/01/2012</a:t>
+              <a:t>07/01/2012</a:t>
             </a:fld>
             <a:endParaRPr lang="pt-BR"/>
           </a:p>
@@ -3230,7 +3230,7 @@
     </p:spTree>
     <p:extLst>
       <p:ext uri="{BB962C8B-B14F-4D97-AF65-F5344CB8AC3E}">
-        <p14:creationId xmlns="" xmlns:p14="http://schemas.microsoft.com/office/powerpoint/2010/main" val="3735907881"/>
+        <p14:creationId xmlns:p14="http://schemas.microsoft.com/office/powerpoint/2010/main" xmlns="" val="3735907881"/>
       </p:ext>
     </p:extLst>
   </p:cSld>
@@ -3524,7 +3524,7 @@
             <a:fld id="{B4E7ACB1-C3B5-47C6-AE9F-6E5695BE8FDA}" type="datetimeFigureOut">
               <a:rPr lang="pt-BR" smtClean="0"/>
               <a:pPr/>
-              <a:t>02/01/2012</a:t>
+              <a:t>07/01/2012</a:t>
             </a:fld>
             <a:endParaRPr lang="pt-BR"/>
           </a:p>
@@ -3576,7 +3576,7 @@
     </p:spTree>
     <p:extLst>
       <p:ext uri="{BB962C8B-B14F-4D97-AF65-F5344CB8AC3E}">
-        <p14:creationId xmlns="" xmlns:p14="http://schemas.microsoft.com/office/powerpoint/2010/main" val="2820318444"/>
+        <p14:creationId xmlns:p14="http://schemas.microsoft.com/office/powerpoint/2010/main" xmlns="" val="2820318444"/>
       </p:ext>
     </p:extLst>
   </p:cSld>
@@ -4008,7 +4008,7 @@
             <a:fld id="{B4E7ACB1-C3B5-47C6-AE9F-6E5695BE8FDA}" type="datetimeFigureOut">
               <a:rPr lang="pt-BR" smtClean="0"/>
               <a:pPr/>
-              <a:t>02/01/2012</a:t>
+              <a:t>07/01/2012</a:t>
             </a:fld>
             <a:endParaRPr lang="pt-BR"/>
           </a:p>
@@ -4060,7 +4060,7 @@
     </p:spTree>
     <p:extLst>
       <p:ext uri="{BB962C8B-B14F-4D97-AF65-F5344CB8AC3E}">
-        <p14:creationId xmlns="" xmlns:p14="http://schemas.microsoft.com/office/powerpoint/2010/main" val="566552069"/>
+        <p14:creationId xmlns:p14="http://schemas.microsoft.com/office/powerpoint/2010/main" xmlns="" val="566552069"/>
       </p:ext>
     </p:extLst>
   </p:cSld>
@@ -4144,7 +4144,7 @@
             <a:fld id="{B4E7ACB1-C3B5-47C6-AE9F-6E5695BE8FDA}" type="datetimeFigureOut">
               <a:rPr lang="pt-BR" smtClean="0"/>
               <a:pPr/>
-              <a:t>02/01/2012</a:t>
+              <a:t>07/01/2012</a:t>
             </a:fld>
             <a:endParaRPr lang="pt-BR"/>
           </a:p>
@@ -4196,7 +4196,7 @@
     </p:spTree>
     <p:extLst>
       <p:ext uri="{BB962C8B-B14F-4D97-AF65-F5344CB8AC3E}">
-        <p14:creationId xmlns="" xmlns:p14="http://schemas.microsoft.com/office/powerpoint/2010/main" val="1358390184"/>
+        <p14:creationId xmlns:p14="http://schemas.microsoft.com/office/powerpoint/2010/main" xmlns="" val="1358390184"/>
       </p:ext>
     </p:extLst>
   </p:cSld>
@@ -4249,7 +4249,7 @@
             <a:fld id="{B4E7ACB1-C3B5-47C6-AE9F-6E5695BE8FDA}" type="datetimeFigureOut">
               <a:rPr lang="pt-BR" smtClean="0"/>
               <a:pPr/>
-              <a:t>02/01/2012</a:t>
+              <a:t>07/01/2012</a:t>
             </a:fld>
             <a:endParaRPr lang="pt-BR"/>
           </a:p>
@@ -4301,7 +4301,7 @@
     </p:spTree>
     <p:extLst>
       <p:ext uri="{BB962C8B-B14F-4D97-AF65-F5344CB8AC3E}">
-        <p14:creationId xmlns="" xmlns:p14="http://schemas.microsoft.com/office/powerpoint/2010/main" val="3705262111"/>
+        <p14:creationId xmlns:p14="http://schemas.microsoft.com/office/powerpoint/2010/main" xmlns="" val="3705262111"/>
       </p:ext>
     </p:extLst>
   </p:cSld>
@@ -4564,7 +4564,7 @@
             <a:fld id="{B4E7ACB1-C3B5-47C6-AE9F-6E5695BE8FDA}" type="datetimeFigureOut">
               <a:rPr lang="pt-BR" smtClean="0"/>
               <a:pPr/>
-              <a:t>02/01/2012</a:t>
+              <a:t>07/01/2012</a:t>
             </a:fld>
             <a:endParaRPr lang="pt-BR"/>
           </a:p>
@@ -4616,7 +4616,7 @@
     </p:spTree>
     <p:extLst>
       <p:ext uri="{BB962C8B-B14F-4D97-AF65-F5344CB8AC3E}">
-        <p14:creationId xmlns="" xmlns:p14="http://schemas.microsoft.com/office/powerpoint/2010/main" val="2189634051"/>
+        <p14:creationId xmlns:p14="http://schemas.microsoft.com/office/powerpoint/2010/main" xmlns="" val="2189634051"/>
       </p:ext>
     </p:extLst>
   </p:cSld>
@@ -4835,7 +4835,7 @@
             <a:fld id="{B4E7ACB1-C3B5-47C6-AE9F-6E5695BE8FDA}" type="datetimeFigureOut">
               <a:rPr lang="pt-BR" smtClean="0"/>
               <a:pPr/>
-              <a:t>02/01/2012</a:t>
+              <a:t>07/01/2012</a:t>
             </a:fld>
             <a:endParaRPr lang="pt-BR"/>
           </a:p>
@@ -4887,7 +4887,7 @@
     </p:spTree>
     <p:extLst>
       <p:ext uri="{BB962C8B-B14F-4D97-AF65-F5344CB8AC3E}">
-        <p14:creationId xmlns="" xmlns:p14="http://schemas.microsoft.com/office/powerpoint/2010/main" val="3848481695"/>
+        <p14:creationId xmlns:p14="http://schemas.microsoft.com/office/powerpoint/2010/main" xmlns="" val="3848481695"/>
       </p:ext>
     </p:extLst>
   </p:cSld>
@@ -5051,7 +5051,7 @@
             <a:fld id="{B4E7ACB1-C3B5-47C6-AE9F-6E5695BE8FDA}" type="datetimeFigureOut">
               <a:rPr lang="pt-BR" smtClean="0"/>
               <a:pPr/>
-              <a:t>02/01/2012</a:t>
+              <a:t>07/01/2012</a:t>
             </a:fld>
             <a:endParaRPr lang="pt-BR"/>
           </a:p>
@@ -5165,7 +5165,7 @@
     </p:spTree>
     <p:extLst>
       <p:ext uri="{BB962C8B-B14F-4D97-AF65-F5344CB8AC3E}">
-        <p14:creationId xmlns="" xmlns:p14="http://schemas.microsoft.com/office/powerpoint/2010/main" val="2257276274"/>
+        <p14:creationId xmlns:p14="http://schemas.microsoft.com/office/powerpoint/2010/main" xmlns="" val="2257276274"/>
       </p:ext>
     </p:extLst>
   </p:cSld>
@@ -5470,10 +5470,10 @@
           <p:nvPr/>
         </p:nvPicPr>
         <p:blipFill>
-          <a:blip r:embed="rId2">
+          <a:blip r:embed="rId2" cstate="print">
             <a:extLst>
               <a:ext uri="{28A0092B-C50C-407E-A947-70E740481C1C}">
-                <a14:useLocalDpi xmlns="" xmlns:a14="http://schemas.microsoft.com/office/drawing/2010/main" val="0"/>
+                <a14:useLocalDpi xmlns:a14="http://schemas.microsoft.com/office/drawing/2010/main" xmlns="" val="0"/>
               </a:ext>
             </a:extLst>
           </a:blip>
@@ -5497,14 +5497,14 @@
           <a:effectLst/>
           <a:extLst>
             <a:ext uri="{909E8E84-426E-40DD-AFC4-6F175D3DCCD1}">
-              <a14:hiddenFill xmlns="" xmlns:a14="http://schemas.microsoft.com/office/drawing/2010/main">
+              <a14:hiddenFill xmlns:a14="http://schemas.microsoft.com/office/drawing/2010/main" xmlns="">
                 <a:solidFill>
                   <a:schemeClr val="accent1"/>
                 </a:solidFill>
               </a14:hiddenFill>
             </a:ext>
             <a:ext uri="{91240B29-F687-4F45-9708-019B960494DF}">
-              <a14:hiddenLine xmlns="" xmlns:a14="http://schemas.microsoft.com/office/drawing/2010/main" w="9525">
+              <a14:hiddenLine xmlns:a14="http://schemas.microsoft.com/office/drawing/2010/main" xmlns="" w="9525">
                 <a:solidFill>
                   <a:schemeClr val="tx1"/>
                 </a:solidFill>
@@ -5514,7 +5514,7 @@
               </a14:hiddenLine>
             </a:ext>
             <a:ext uri="{AF507438-7753-43E0-B8FC-AC1667EBCBE1}">
-              <a14:hiddenEffects xmlns="" xmlns:a14="http://schemas.microsoft.com/office/drawing/2010/main">
+              <a14:hiddenEffects xmlns:a14="http://schemas.microsoft.com/office/drawing/2010/main" xmlns="">
                 <a:effectLst>
                   <a:outerShdw dist="35921" dir="2700000" algn="ctr" rotWithShape="0">
                     <a:schemeClr val="bg2"/>
@@ -5618,7 +5618,7 @@
     </p:spTree>
     <p:extLst>
       <p:ext uri="{BB962C8B-B14F-4D97-AF65-F5344CB8AC3E}">
-        <p14:creationId xmlns="" xmlns:p14="http://schemas.microsoft.com/office/powerpoint/2010/main" val="313402792"/>
+        <p14:creationId xmlns:p14="http://schemas.microsoft.com/office/powerpoint/2010/main" xmlns="" val="313402792"/>
       </p:ext>
     </p:extLst>
   </p:cSld>
@@ -5772,10 +5772,10 @@
           <p:nvPr/>
         </p:nvPicPr>
         <p:blipFill>
-          <a:blip r:embed="rId3">
+          <a:blip r:embed="rId3" cstate="print">
             <a:extLst>
               <a:ext uri="{28A0092B-C50C-407E-A947-70E740481C1C}">
-                <a14:useLocalDpi xmlns="" xmlns:a14="http://schemas.microsoft.com/office/drawing/2010/main" val="0"/>
+                <a14:useLocalDpi xmlns:a14="http://schemas.microsoft.com/office/drawing/2010/main" xmlns="" val="0"/>
               </a:ext>
             </a:extLst>
           </a:blip>
@@ -5795,7 +5795,7 @@
           <a:noFill/>
           <a:extLst>
             <a:ext uri="{909E8E84-426E-40DD-AFC4-6F175D3DCCD1}">
-              <a14:hiddenFill xmlns="" xmlns:a14="http://schemas.microsoft.com/office/drawing/2010/main">
+              <a14:hiddenFill xmlns:a14="http://schemas.microsoft.com/office/drawing/2010/main" xmlns="">
                 <a:solidFill>
                   <a:srgbClr val="FFFFFF"/>
                 </a:solidFill>
@@ -5807,7 +5807,7 @@
     </p:spTree>
     <p:extLst>
       <p:ext uri="{BB962C8B-B14F-4D97-AF65-F5344CB8AC3E}">
-        <p14:creationId xmlns="" xmlns:p14="http://schemas.microsoft.com/office/powerpoint/2010/main" val="1770464645"/>
+        <p14:creationId xmlns:p14="http://schemas.microsoft.com/office/powerpoint/2010/main" xmlns="" val="1770464645"/>
       </p:ext>
     </p:extLst>
   </p:cSld>
@@ -6023,7 +6023,7 @@
     </p:spTree>
     <p:extLst>
       <p:ext uri="{BB962C8B-B14F-4D97-AF65-F5344CB8AC3E}">
-        <p14:creationId xmlns="" xmlns:p14="http://schemas.microsoft.com/office/powerpoint/2010/main" val="3679395065"/>
+        <p14:creationId xmlns:p14="http://schemas.microsoft.com/office/powerpoint/2010/main" xmlns="" val="3679395065"/>
       </p:ext>
     </p:extLst>
   </p:cSld>
@@ -6080,7 +6080,23 @@
           <a:p>
             <a:r>
               <a:rPr lang="en-US" dirty="0" smtClean="0"/>
-              <a:t>JAVA 2 Platform, Standard Edition (J2SE), </a:t>
+              <a:t>JAVA </a:t>
+            </a:r>
+            <a:r>
+              <a:rPr lang="en-US" dirty="0" smtClean="0"/>
+              <a:t>Platform</a:t>
+            </a:r>
+            <a:r>
+              <a:rPr lang="en-US" dirty="0" smtClean="0"/>
+              <a:t>, Standard Edition (</a:t>
+            </a:r>
+            <a:r>
+              <a:rPr lang="en-US" dirty="0" smtClean="0"/>
+              <a:t>J SE</a:t>
+            </a:r>
+            <a:r>
+              <a:rPr lang="en-US" dirty="0" smtClean="0"/>
+              <a:t>), </a:t>
             </a:r>
             <a:r>
               <a:rPr lang="en-US" dirty="0" err="1" smtClean="0"/>
@@ -6105,10 +6121,10 @@
           </p:nvPr>
         </p:nvPicPr>
         <p:blipFill>
-          <a:blip r:embed="rId3">
+          <a:blip r:embed="rId3" cstate="print">
             <a:extLst>
               <a:ext uri="{28A0092B-C50C-407E-A947-70E740481C1C}">
-                <a14:useLocalDpi xmlns="" xmlns:a14="http://schemas.microsoft.com/office/drawing/2010/main" val="0"/>
+                <a14:useLocalDpi xmlns:a14="http://schemas.microsoft.com/office/drawing/2010/main" xmlns="" val="0"/>
               </a:ext>
             </a:extLst>
           </a:blip>
@@ -6296,7 +6312,7 @@
     </p:spTree>
     <p:extLst>
       <p:ext uri="{BB962C8B-B14F-4D97-AF65-F5344CB8AC3E}">
-        <p14:creationId xmlns="" xmlns:p14="http://schemas.microsoft.com/office/powerpoint/2010/main" val="2847190081"/>
+        <p14:creationId xmlns:p14="http://schemas.microsoft.com/office/powerpoint/2010/main" xmlns="" val="2847190081"/>
       </p:ext>
     </p:extLst>
   </p:cSld>
@@ -6376,10 +6392,10 @@
           <p:nvPr/>
         </p:nvPicPr>
         <p:blipFill>
-          <a:blip r:embed="rId3">
+          <a:blip r:embed="rId3" cstate="print">
             <a:extLst>
               <a:ext uri="{28A0092B-C50C-407E-A947-70E740481C1C}">
-                <a14:useLocalDpi xmlns="" xmlns:a14="http://schemas.microsoft.com/office/drawing/2010/main" val="0"/>
+                <a14:useLocalDpi xmlns:a14="http://schemas.microsoft.com/office/drawing/2010/main" xmlns="" val="0"/>
               </a:ext>
             </a:extLst>
           </a:blip>
@@ -6403,14 +6419,14 @@
           <a:effectLst/>
           <a:extLst>
             <a:ext uri="{909E8E84-426E-40DD-AFC4-6F175D3DCCD1}">
-              <a14:hiddenFill xmlns="" xmlns:a14="http://schemas.microsoft.com/office/drawing/2010/main">
+              <a14:hiddenFill xmlns:a14="http://schemas.microsoft.com/office/drawing/2010/main" xmlns="">
                 <a:solidFill>
                   <a:schemeClr val="accent1"/>
                 </a:solidFill>
               </a14:hiddenFill>
             </a:ext>
             <a:ext uri="{91240B29-F687-4F45-9708-019B960494DF}">
-              <a14:hiddenLine xmlns="" xmlns:a14="http://schemas.microsoft.com/office/drawing/2010/main" w="9525">
+              <a14:hiddenLine xmlns:a14="http://schemas.microsoft.com/office/drawing/2010/main" xmlns="" w="9525">
                 <a:solidFill>
                   <a:schemeClr val="tx1"/>
                 </a:solidFill>
@@ -6420,7 +6436,7 @@
               </a14:hiddenLine>
             </a:ext>
             <a:ext uri="{AF507438-7753-43E0-B8FC-AC1667EBCBE1}">
-              <a14:hiddenEffects xmlns="" xmlns:a14="http://schemas.microsoft.com/office/drawing/2010/main">
+              <a14:hiddenEffects xmlns:a14="http://schemas.microsoft.com/office/drawing/2010/main" xmlns="">
                 <a:effectLst>
                   <a:outerShdw dist="35921" dir="2700000" algn="ctr" rotWithShape="0">
                     <a:schemeClr val="bg2"/>
@@ -6434,7 +6450,7 @@
     </p:spTree>
     <p:extLst>
       <p:ext uri="{BB962C8B-B14F-4D97-AF65-F5344CB8AC3E}">
-        <p14:creationId xmlns="" xmlns:p14="http://schemas.microsoft.com/office/powerpoint/2010/main" val="2480250534"/>
+        <p14:creationId xmlns:p14="http://schemas.microsoft.com/office/powerpoint/2010/main" xmlns="" val="2480250534"/>
       </p:ext>
     </p:extLst>
   </p:cSld>
@@ -6502,10 +6518,10 @@
           <p:nvPr/>
         </p:nvPicPr>
         <p:blipFill>
-          <a:blip r:embed="rId3">
+          <a:blip r:embed="rId3" cstate="print">
             <a:extLst>
               <a:ext uri="{28A0092B-C50C-407E-A947-70E740481C1C}">
-                <a14:useLocalDpi xmlns="" xmlns:a14="http://schemas.microsoft.com/office/drawing/2010/main" val="0"/>
+                <a14:useLocalDpi xmlns:a14="http://schemas.microsoft.com/office/drawing/2010/main" xmlns="" val="0"/>
               </a:ext>
             </a:extLst>
           </a:blip>
@@ -6529,14 +6545,14 @@
           <a:effectLst/>
           <a:extLst>
             <a:ext uri="{909E8E84-426E-40DD-AFC4-6F175D3DCCD1}">
-              <a14:hiddenFill xmlns="" xmlns:a14="http://schemas.microsoft.com/office/drawing/2010/main">
+              <a14:hiddenFill xmlns:a14="http://schemas.microsoft.com/office/drawing/2010/main" xmlns="">
                 <a:solidFill>
                   <a:schemeClr val="accent1"/>
                 </a:solidFill>
               </a14:hiddenFill>
             </a:ext>
             <a:ext uri="{91240B29-F687-4F45-9708-019B960494DF}">
-              <a14:hiddenLine xmlns="" xmlns:a14="http://schemas.microsoft.com/office/drawing/2010/main" w="9525">
+              <a14:hiddenLine xmlns:a14="http://schemas.microsoft.com/office/drawing/2010/main" xmlns="" w="9525">
                 <a:solidFill>
                   <a:schemeClr val="tx1"/>
                 </a:solidFill>
@@ -6546,7 +6562,7 @@
               </a14:hiddenLine>
             </a:ext>
             <a:ext uri="{AF507438-7753-43E0-B8FC-AC1667EBCBE1}">
-              <a14:hiddenEffects xmlns="" xmlns:a14="http://schemas.microsoft.com/office/drawing/2010/main">
+              <a14:hiddenEffects xmlns:a14="http://schemas.microsoft.com/office/drawing/2010/main" xmlns="">
                 <a:effectLst>
                   <a:outerShdw dist="35921" dir="2700000" algn="ctr" rotWithShape="0">
                     <a:schemeClr val="bg2"/>
@@ -6560,7 +6576,7 @@
     </p:spTree>
     <p:extLst>
       <p:ext uri="{BB962C8B-B14F-4D97-AF65-F5344CB8AC3E}">
-        <p14:creationId xmlns="" xmlns:p14="http://schemas.microsoft.com/office/powerpoint/2010/main" val="2375160099"/>
+        <p14:creationId xmlns:p14="http://schemas.microsoft.com/office/powerpoint/2010/main" xmlns="" val="2375160099"/>
       </p:ext>
     </p:extLst>
   </p:cSld>
@@ -6697,10 +6713,10 @@
           <p:nvPr/>
         </p:nvPicPr>
         <p:blipFill>
-          <a:blip r:embed="rId2">
+          <a:blip r:embed="rId2" cstate="print">
             <a:extLst>
               <a:ext uri="{28A0092B-C50C-407E-A947-70E740481C1C}">
-                <a14:useLocalDpi xmlns="" xmlns:a14="http://schemas.microsoft.com/office/drawing/2010/main" val="0"/>
+                <a14:useLocalDpi xmlns:a14="http://schemas.microsoft.com/office/drawing/2010/main" xmlns="" val="0"/>
               </a:ext>
             </a:extLst>
           </a:blip>
@@ -6720,7 +6736,7 @@
           <a:noFill/>
           <a:extLst>
             <a:ext uri="{909E8E84-426E-40DD-AFC4-6F175D3DCCD1}">
-              <a14:hiddenFill xmlns="" xmlns:a14="http://schemas.microsoft.com/office/drawing/2010/main">
+              <a14:hiddenFill xmlns:a14="http://schemas.microsoft.com/office/drawing/2010/main" xmlns="">
                 <a:solidFill>
                   <a:srgbClr val="FFFFFF"/>
                 </a:solidFill>
@@ -6732,7 +6748,7 @@
     </p:spTree>
     <p:extLst>
       <p:ext uri="{BB962C8B-B14F-4D97-AF65-F5344CB8AC3E}">
-        <p14:creationId xmlns="" xmlns:p14="http://schemas.microsoft.com/office/powerpoint/2010/main" val="3287296864"/>
+        <p14:creationId xmlns:p14="http://schemas.microsoft.com/office/powerpoint/2010/main" xmlns="" val="3287296864"/>
       </p:ext>
     </p:extLst>
   </p:cSld>
@@ -6803,10 +6819,10 @@
           <p:nvPr/>
         </p:nvPicPr>
         <p:blipFill>
-          <a:blip r:embed="rId3">
+          <a:blip r:embed="rId3" cstate="print">
             <a:extLst>
               <a:ext uri="{28A0092B-C50C-407E-A947-70E740481C1C}">
-                <a14:useLocalDpi xmlns="" xmlns:a14="http://schemas.microsoft.com/office/drawing/2010/main" val="0"/>
+                <a14:useLocalDpi xmlns:a14="http://schemas.microsoft.com/office/drawing/2010/main" xmlns="" val="0"/>
               </a:ext>
             </a:extLst>
           </a:blip>
@@ -6826,7 +6842,7 @@
           <a:noFill/>
           <a:extLst>
             <a:ext uri="{909E8E84-426E-40DD-AFC4-6F175D3DCCD1}">
-              <a14:hiddenFill xmlns="" xmlns:a14="http://schemas.microsoft.com/office/drawing/2010/main">
+              <a14:hiddenFill xmlns:a14="http://schemas.microsoft.com/office/drawing/2010/main" xmlns="">
                 <a:solidFill>
                   <a:srgbClr val="FFFFFF"/>
                 </a:solidFill>
@@ -6838,7 +6854,7 @@
     </p:spTree>
     <p:extLst>
       <p:ext uri="{BB962C8B-B14F-4D97-AF65-F5344CB8AC3E}">
-        <p14:creationId xmlns="" xmlns:p14="http://schemas.microsoft.com/office/powerpoint/2010/main" val="2837073400"/>
+        <p14:creationId xmlns:p14="http://schemas.microsoft.com/office/powerpoint/2010/main" xmlns="" val="2837073400"/>
       </p:ext>
     </p:extLst>
   </p:cSld>
@@ -6913,10 +6929,10 @@
           <p:nvPr/>
         </p:nvPicPr>
         <p:blipFill>
-          <a:blip r:embed="rId3">
+          <a:blip r:embed="rId3" cstate="print">
             <a:extLst>
               <a:ext uri="{28A0092B-C50C-407E-A947-70E740481C1C}">
-                <a14:useLocalDpi xmlns="" xmlns:a14="http://schemas.microsoft.com/office/drawing/2010/main" val="0"/>
+                <a14:useLocalDpi xmlns:a14="http://schemas.microsoft.com/office/drawing/2010/main" xmlns="" val="0"/>
               </a:ext>
             </a:extLst>
           </a:blip>
@@ -6936,7 +6952,7 @@
           <a:noFill/>
           <a:extLst>
             <a:ext uri="{909E8E84-426E-40DD-AFC4-6F175D3DCCD1}">
-              <a14:hiddenFill xmlns="" xmlns:a14="http://schemas.microsoft.com/office/drawing/2010/main">
+              <a14:hiddenFill xmlns:a14="http://schemas.microsoft.com/office/drawing/2010/main" xmlns="">
                 <a:solidFill>
                   <a:srgbClr val="FFFFFF"/>
                 </a:solidFill>
@@ -6948,7 +6964,7 @@
     </p:spTree>
     <p:extLst>
       <p:ext uri="{BB962C8B-B14F-4D97-AF65-F5344CB8AC3E}">
-        <p14:creationId xmlns="" xmlns:p14="http://schemas.microsoft.com/office/powerpoint/2010/main" val="1870576778"/>
+        <p14:creationId xmlns:p14="http://schemas.microsoft.com/office/powerpoint/2010/main" xmlns="" val="1870576778"/>
       </p:ext>
     </p:extLst>
   </p:cSld>
@@ -7019,10 +7035,10 @@
           <p:nvPr/>
         </p:nvPicPr>
         <p:blipFill>
-          <a:blip r:embed="rId3">
+          <a:blip r:embed="rId3" cstate="print">
             <a:extLst>
               <a:ext uri="{28A0092B-C50C-407E-A947-70E740481C1C}">
-                <a14:useLocalDpi xmlns="" xmlns:a14="http://schemas.microsoft.com/office/drawing/2010/main" val="0"/>
+                <a14:useLocalDpi xmlns:a14="http://schemas.microsoft.com/office/drawing/2010/main" xmlns="" val="0"/>
               </a:ext>
             </a:extLst>
           </a:blip>
@@ -7042,7 +7058,7 @@
           <a:noFill/>
           <a:extLst>
             <a:ext uri="{909E8E84-426E-40DD-AFC4-6F175D3DCCD1}">
-              <a14:hiddenFill xmlns="" xmlns:a14="http://schemas.microsoft.com/office/drawing/2010/main">
+              <a14:hiddenFill xmlns:a14="http://schemas.microsoft.com/office/drawing/2010/main" xmlns="">
                 <a:solidFill>
                   <a:srgbClr val="FFFFFF"/>
                 </a:solidFill>
@@ -7054,7 +7070,7 @@
     </p:spTree>
     <p:extLst>
       <p:ext uri="{BB962C8B-B14F-4D97-AF65-F5344CB8AC3E}">
-        <p14:creationId xmlns="" xmlns:p14="http://schemas.microsoft.com/office/powerpoint/2010/main" val="2265912362"/>
+        <p14:creationId xmlns:p14="http://schemas.microsoft.com/office/powerpoint/2010/main" xmlns="" val="2265912362"/>
       </p:ext>
     </p:extLst>
   </p:cSld>
@@ -7121,10 +7137,10 @@
           <p:nvPr/>
         </p:nvPicPr>
         <p:blipFill>
-          <a:blip r:embed="rId3">
+          <a:blip r:embed="rId3" cstate="print">
             <a:extLst>
               <a:ext uri="{28A0092B-C50C-407E-A947-70E740481C1C}">
-                <a14:useLocalDpi xmlns="" xmlns:a14="http://schemas.microsoft.com/office/drawing/2010/main" val="0"/>
+                <a14:useLocalDpi xmlns:a14="http://schemas.microsoft.com/office/drawing/2010/main" xmlns="" val="0"/>
               </a:ext>
             </a:extLst>
           </a:blip>
@@ -7144,7 +7160,7 @@
           <a:noFill/>
           <a:extLst>
             <a:ext uri="{909E8E84-426E-40DD-AFC4-6F175D3DCCD1}">
-              <a14:hiddenFill xmlns="" xmlns:a14="http://schemas.microsoft.com/office/drawing/2010/main">
+              <a14:hiddenFill xmlns:a14="http://schemas.microsoft.com/office/drawing/2010/main" xmlns="">
                 <a:solidFill>
                   <a:srgbClr val="FFFFFF"/>
                 </a:solidFill>
@@ -7156,7 +7172,7 @@
     </p:spTree>
     <p:extLst>
       <p:ext uri="{BB962C8B-B14F-4D97-AF65-F5344CB8AC3E}">
-        <p14:creationId xmlns="" xmlns:p14="http://schemas.microsoft.com/office/powerpoint/2010/main" val="248406119"/>
+        <p14:creationId xmlns:p14="http://schemas.microsoft.com/office/powerpoint/2010/main" xmlns="" val="248406119"/>
       </p:ext>
     </p:extLst>
   </p:cSld>
@@ -7446,7 +7462,7 @@
     </p:spTree>
     <p:extLst>
       <p:ext uri="{BB962C8B-B14F-4D97-AF65-F5344CB8AC3E}">
-        <p14:creationId xmlns="" xmlns:p14="http://schemas.microsoft.com/office/powerpoint/2010/main" val="681958526"/>
+        <p14:creationId xmlns:p14="http://schemas.microsoft.com/office/powerpoint/2010/main" xmlns="" val="681958526"/>
       </p:ext>
     </p:extLst>
   </p:cSld>
@@ -7521,10 +7537,10 @@
           <p:nvPr/>
         </p:nvPicPr>
         <p:blipFill>
-          <a:blip r:embed="rId3">
+          <a:blip r:embed="rId3" cstate="print">
             <a:extLst>
               <a:ext uri="{28A0092B-C50C-407E-A947-70E740481C1C}">
-                <a14:useLocalDpi xmlns="" xmlns:a14="http://schemas.microsoft.com/office/drawing/2010/main" val="0"/>
+                <a14:useLocalDpi xmlns:a14="http://schemas.microsoft.com/office/drawing/2010/main" xmlns="" val="0"/>
               </a:ext>
             </a:extLst>
           </a:blip>
@@ -7544,7 +7560,7 @@
           <a:noFill/>
           <a:extLst>
             <a:ext uri="{909E8E84-426E-40DD-AFC4-6F175D3DCCD1}">
-              <a14:hiddenFill xmlns="" xmlns:a14="http://schemas.microsoft.com/office/drawing/2010/main">
+              <a14:hiddenFill xmlns:a14="http://schemas.microsoft.com/office/drawing/2010/main" xmlns="">
                 <a:solidFill>
                   <a:srgbClr val="FFFFFF"/>
                 </a:solidFill>
@@ -7556,7 +7572,7 @@
     </p:spTree>
     <p:extLst>
       <p:ext uri="{BB962C8B-B14F-4D97-AF65-F5344CB8AC3E}">
-        <p14:creationId xmlns="" xmlns:p14="http://schemas.microsoft.com/office/powerpoint/2010/main" val="303700275"/>
+        <p14:creationId xmlns:p14="http://schemas.microsoft.com/office/powerpoint/2010/main" xmlns="" val="303700275"/>
       </p:ext>
     </p:extLst>
   </p:cSld>
@@ -7623,10 +7639,10 @@
           <p:nvPr/>
         </p:nvPicPr>
         <p:blipFill>
-          <a:blip r:embed="rId3">
+          <a:blip r:embed="rId3" cstate="print">
             <a:extLst>
               <a:ext uri="{28A0092B-C50C-407E-A947-70E740481C1C}">
-                <a14:useLocalDpi xmlns="" xmlns:a14="http://schemas.microsoft.com/office/drawing/2010/main" val="0"/>
+                <a14:useLocalDpi xmlns:a14="http://schemas.microsoft.com/office/drawing/2010/main" xmlns="" val="0"/>
               </a:ext>
             </a:extLst>
           </a:blip>
@@ -7646,7 +7662,7 @@
           <a:noFill/>
           <a:extLst>
             <a:ext uri="{909E8E84-426E-40DD-AFC4-6F175D3DCCD1}">
-              <a14:hiddenFill xmlns="" xmlns:a14="http://schemas.microsoft.com/office/drawing/2010/main">
+              <a14:hiddenFill xmlns:a14="http://schemas.microsoft.com/office/drawing/2010/main" xmlns="">
                 <a:solidFill>
                   <a:srgbClr val="FFFFFF"/>
                 </a:solidFill>
@@ -7658,7 +7674,7 @@
     </p:spTree>
     <p:extLst>
       <p:ext uri="{BB962C8B-B14F-4D97-AF65-F5344CB8AC3E}">
-        <p14:creationId xmlns="" xmlns:p14="http://schemas.microsoft.com/office/powerpoint/2010/main" val="1563972853"/>
+        <p14:creationId xmlns:p14="http://schemas.microsoft.com/office/powerpoint/2010/main" xmlns="" val="1563972853"/>
       </p:ext>
     </p:extLst>
   </p:cSld>
@@ -7729,10 +7745,10 @@
           <p:nvPr/>
         </p:nvPicPr>
         <p:blipFill>
-          <a:blip r:embed="rId3">
+          <a:blip r:embed="rId3" cstate="print">
             <a:extLst>
               <a:ext uri="{28A0092B-C50C-407E-A947-70E740481C1C}">
-                <a14:useLocalDpi xmlns="" xmlns:a14="http://schemas.microsoft.com/office/drawing/2010/main" val="0"/>
+                <a14:useLocalDpi xmlns:a14="http://schemas.microsoft.com/office/drawing/2010/main" xmlns="" val="0"/>
               </a:ext>
             </a:extLst>
           </a:blip>
@@ -7752,7 +7768,7 @@
           <a:noFill/>
           <a:extLst>
             <a:ext uri="{909E8E84-426E-40DD-AFC4-6F175D3DCCD1}">
-              <a14:hiddenFill xmlns="" xmlns:a14="http://schemas.microsoft.com/office/drawing/2010/main">
+              <a14:hiddenFill xmlns:a14="http://schemas.microsoft.com/office/drawing/2010/main" xmlns="">
                 <a:solidFill>
                   <a:srgbClr val="FFFFFF"/>
                 </a:solidFill>
@@ -7764,7 +7780,7 @@
     </p:spTree>
     <p:extLst>
       <p:ext uri="{BB962C8B-B14F-4D97-AF65-F5344CB8AC3E}">
-        <p14:creationId xmlns="" xmlns:p14="http://schemas.microsoft.com/office/powerpoint/2010/main" val="741787989"/>
+        <p14:creationId xmlns:p14="http://schemas.microsoft.com/office/powerpoint/2010/main" xmlns="" val="741787989"/>
       </p:ext>
     </p:extLst>
   </p:cSld>
@@ -7920,7 +7936,7 @@
     </p:spTree>
     <p:extLst>
       <p:ext uri="{BB962C8B-B14F-4D97-AF65-F5344CB8AC3E}">
-        <p14:creationId xmlns="" xmlns:p14="http://schemas.microsoft.com/office/powerpoint/2010/main" val="549431020"/>
+        <p14:creationId xmlns:p14="http://schemas.microsoft.com/office/powerpoint/2010/main" xmlns="" val="549431020"/>
       </p:ext>
     </p:extLst>
   </p:cSld>
@@ -8101,10 +8117,10 @@
           <p:nvPr/>
         </p:nvPicPr>
         <p:blipFill>
-          <a:blip r:embed="rId3">
+          <a:blip r:embed="rId3" cstate="print">
             <a:extLst>
               <a:ext uri="{28A0092B-C50C-407E-A947-70E740481C1C}">
-                <a14:useLocalDpi xmlns="" xmlns:a14="http://schemas.microsoft.com/office/drawing/2010/main" val="0"/>
+                <a14:useLocalDpi xmlns:a14="http://schemas.microsoft.com/office/drawing/2010/main" xmlns="" val="0"/>
               </a:ext>
             </a:extLst>
           </a:blip>
@@ -8128,14 +8144,14 @@
           <a:effectLst/>
           <a:extLst>
             <a:ext uri="{909E8E84-426E-40DD-AFC4-6F175D3DCCD1}">
-              <a14:hiddenFill xmlns="" xmlns:a14="http://schemas.microsoft.com/office/drawing/2010/main">
+              <a14:hiddenFill xmlns:a14="http://schemas.microsoft.com/office/drawing/2010/main" xmlns="">
                 <a:solidFill>
                   <a:schemeClr val="accent1"/>
                 </a:solidFill>
               </a14:hiddenFill>
             </a:ext>
             <a:ext uri="{91240B29-F687-4F45-9708-019B960494DF}">
-              <a14:hiddenLine xmlns="" xmlns:a14="http://schemas.microsoft.com/office/drawing/2010/main" w="9525">
+              <a14:hiddenLine xmlns:a14="http://schemas.microsoft.com/office/drawing/2010/main" xmlns="" w="9525">
                 <a:solidFill>
                   <a:schemeClr val="tx1"/>
                 </a:solidFill>
@@ -8145,7 +8161,7 @@
               </a14:hiddenLine>
             </a:ext>
             <a:ext uri="{AF507438-7753-43E0-B8FC-AC1667EBCBE1}">
-              <a14:hiddenEffects xmlns="" xmlns:a14="http://schemas.microsoft.com/office/drawing/2010/main">
+              <a14:hiddenEffects xmlns:a14="http://schemas.microsoft.com/office/drawing/2010/main" xmlns="">
                 <a:effectLst>
                   <a:outerShdw dist="35921" dir="2700000" algn="ctr" rotWithShape="0">
                     <a:schemeClr val="bg2"/>
@@ -8165,10 +8181,10 @@
           <p:nvPr/>
         </p:nvPicPr>
         <p:blipFill>
-          <a:blip r:embed="rId4">
+          <a:blip r:embed="rId4" cstate="print">
             <a:extLst>
               <a:ext uri="{28A0092B-C50C-407E-A947-70E740481C1C}">
-                <a14:useLocalDpi xmlns="" xmlns:a14="http://schemas.microsoft.com/office/drawing/2010/main" val="0"/>
+                <a14:useLocalDpi xmlns:a14="http://schemas.microsoft.com/office/drawing/2010/main" xmlns="" val="0"/>
               </a:ext>
             </a:extLst>
           </a:blip>
@@ -8192,14 +8208,14 @@
           <a:effectLst/>
           <a:extLst>
             <a:ext uri="{909E8E84-426E-40DD-AFC4-6F175D3DCCD1}">
-              <a14:hiddenFill xmlns="" xmlns:a14="http://schemas.microsoft.com/office/drawing/2010/main">
+              <a14:hiddenFill xmlns:a14="http://schemas.microsoft.com/office/drawing/2010/main" xmlns="">
                 <a:solidFill>
                   <a:schemeClr val="accent1"/>
                 </a:solidFill>
               </a14:hiddenFill>
             </a:ext>
             <a:ext uri="{91240B29-F687-4F45-9708-019B960494DF}">
-              <a14:hiddenLine xmlns="" xmlns:a14="http://schemas.microsoft.com/office/drawing/2010/main" w="9525">
+              <a14:hiddenLine xmlns:a14="http://schemas.microsoft.com/office/drawing/2010/main" xmlns="" w="9525">
                 <a:solidFill>
                   <a:schemeClr val="tx1"/>
                 </a:solidFill>
@@ -8209,7 +8225,7 @@
               </a14:hiddenLine>
             </a:ext>
             <a:ext uri="{AF507438-7753-43E0-B8FC-AC1667EBCBE1}">
-              <a14:hiddenEffects xmlns="" xmlns:a14="http://schemas.microsoft.com/office/drawing/2010/main">
+              <a14:hiddenEffects xmlns:a14="http://schemas.microsoft.com/office/drawing/2010/main" xmlns="">
                 <a:effectLst>
                   <a:outerShdw dist="35921" dir="2700000" algn="ctr" rotWithShape="0">
                     <a:schemeClr val="bg2"/>
@@ -8223,7 +8239,7 @@
     </p:spTree>
     <p:extLst>
       <p:ext uri="{BB962C8B-B14F-4D97-AF65-F5344CB8AC3E}">
-        <p14:creationId xmlns="" xmlns:p14="http://schemas.microsoft.com/office/powerpoint/2010/main" val="3202484520"/>
+        <p14:creationId xmlns:p14="http://schemas.microsoft.com/office/powerpoint/2010/main" xmlns="" val="3202484520"/>
       </p:ext>
     </p:extLst>
   </p:cSld>
@@ -8294,10 +8310,10 @@
           <p:nvPr/>
         </p:nvPicPr>
         <p:blipFill>
-          <a:blip r:embed="rId3">
+          <a:blip r:embed="rId3" cstate="print">
             <a:extLst>
               <a:ext uri="{28A0092B-C50C-407E-A947-70E740481C1C}">
-                <a14:useLocalDpi xmlns="" xmlns:a14="http://schemas.microsoft.com/office/drawing/2010/main" val="0"/>
+                <a14:useLocalDpi xmlns:a14="http://schemas.microsoft.com/office/drawing/2010/main" xmlns="" val="0"/>
               </a:ext>
             </a:extLst>
           </a:blip>
@@ -8317,7 +8333,7 @@
           <a:noFill/>
           <a:extLst>
             <a:ext uri="{909E8E84-426E-40DD-AFC4-6F175D3DCCD1}">
-              <a14:hiddenFill xmlns="" xmlns:a14="http://schemas.microsoft.com/office/drawing/2010/main">
+              <a14:hiddenFill xmlns:a14="http://schemas.microsoft.com/office/drawing/2010/main" xmlns="">
                 <a:solidFill>
                   <a:srgbClr val="FFFFFF"/>
                 </a:solidFill>
@@ -8329,7 +8345,7 @@
     </p:spTree>
     <p:extLst>
       <p:ext uri="{BB962C8B-B14F-4D97-AF65-F5344CB8AC3E}">
-        <p14:creationId xmlns="" xmlns:p14="http://schemas.microsoft.com/office/powerpoint/2010/main" val="2737991412"/>
+        <p14:creationId xmlns:p14="http://schemas.microsoft.com/office/powerpoint/2010/main" xmlns="" val="2737991412"/>
       </p:ext>
     </p:extLst>
   </p:cSld>
@@ -8679,7 +8695,7 @@
     </p:spTree>
     <p:extLst>
       <p:ext uri="{BB962C8B-B14F-4D97-AF65-F5344CB8AC3E}">
-        <p14:creationId xmlns="" xmlns:p14="http://schemas.microsoft.com/office/powerpoint/2010/main" val="3187705925"/>
+        <p14:creationId xmlns:p14="http://schemas.microsoft.com/office/powerpoint/2010/main" xmlns="" val="3187705925"/>
       </p:ext>
     </p:extLst>
   </p:cSld>
@@ -8850,10 +8866,10 @@
           <p:nvPr/>
         </p:nvPicPr>
         <p:blipFill>
-          <a:blip r:embed="rId3">
+          <a:blip r:embed="rId3" cstate="print">
             <a:extLst>
               <a:ext uri="{28A0092B-C50C-407E-A947-70E740481C1C}">
-                <a14:useLocalDpi xmlns="" xmlns:a14="http://schemas.microsoft.com/office/drawing/2010/main" val="0"/>
+                <a14:useLocalDpi xmlns:a14="http://schemas.microsoft.com/office/drawing/2010/main" xmlns="" val="0"/>
               </a:ext>
             </a:extLst>
           </a:blip>
@@ -8873,7 +8889,7 @@
           <a:noFill/>
           <a:extLst>
             <a:ext uri="{909E8E84-426E-40DD-AFC4-6F175D3DCCD1}">
-              <a14:hiddenFill xmlns="" xmlns:a14="http://schemas.microsoft.com/office/drawing/2010/main">
+              <a14:hiddenFill xmlns:a14="http://schemas.microsoft.com/office/drawing/2010/main" xmlns="">
                 <a:solidFill>
                   <a:srgbClr val="FFFFFF"/>
                 </a:solidFill>
@@ -8885,7 +8901,7 @@
     </p:spTree>
     <p:extLst>
       <p:ext uri="{BB962C8B-B14F-4D97-AF65-F5344CB8AC3E}">
-        <p14:creationId xmlns="" xmlns:p14="http://schemas.microsoft.com/office/powerpoint/2010/main" val="4012183279"/>
+        <p14:creationId xmlns:p14="http://schemas.microsoft.com/office/powerpoint/2010/main" xmlns="" val="4012183279"/>
       </p:ext>
     </p:extLst>
   </p:cSld>
@@ -9186,7 +9202,7 @@
     </p:spTree>
     <p:extLst>
       <p:ext uri="{BB962C8B-B14F-4D97-AF65-F5344CB8AC3E}">
-        <p14:creationId xmlns="" xmlns:p14="http://schemas.microsoft.com/office/powerpoint/2010/main" val="1444130768"/>
+        <p14:creationId xmlns:p14="http://schemas.microsoft.com/office/powerpoint/2010/main" xmlns="" val="1444130768"/>
       </p:ext>
     </p:extLst>
   </p:cSld>
@@ -9328,10 +9344,10 @@
           <p:nvPr/>
         </p:nvPicPr>
         <p:blipFill>
-          <a:blip r:embed="rId3">
+          <a:blip r:embed="rId3" cstate="print">
             <a:extLst>
               <a:ext uri="{28A0092B-C50C-407E-A947-70E740481C1C}">
-                <a14:useLocalDpi xmlns="" xmlns:a14="http://schemas.microsoft.com/office/drawing/2010/main" val="0"/>
+                <a14:useLocalDpi xmlns:a14="http://schemas.microsoft.com/office/drawing/2010/main" xmlns="" val="0"/>
               </a:ext>
             </a:extLst>
           </a:blip>
@@ -9351,7 +9367,7 @@
           <a:noFill/>
           <a:extLst>
             <a:ext uri="{909E8E84-426E-40DD-AFC4-6F175D3DCCD1}">
-              <a14:hiddenFill xmlns="" xmlns:a14="http://schemas.microsoft.com/office/drawing/2010/main">
+              <a14:hiddenFill xmlns:a14="http://schemas.microsoft.com/office/drawing/2010/main" xmlns="">
                 <a:solidFill>
                   <a:srgbClr val="FFFFFF"/>
                 </a:solidFill>
@@ -9363,7 +9379,7 @@
     </p:spTree>
     <p:extLst>
       <p:ext uri="{BB962C8B-B14F-4D97-AF65-F5344CB8AC3E}">
-        <p14:creationId xmlns="" xmlns:p14="http://schemas.microsoft.com/office/powerpoint/2010/main" val="1384195298"/>
+        <p14:creationId xmlns:p14="http://schemas.microsoft.com/office/powerpoint/2010/main" xmlns="" val="1384195298"/>
       </p:ext>
     </p:extLst>
   </p:cSld>

--- a/slides/2-AmbienteJava.pptx
+++ b/slides/2-AmbienteJava.pptx
@@ -214,7 +214,7 @@
             <a:fld id="{8478C54E-4FE2-4F2D-8BA0-82A0C6A1764B}" type="datetimeFigureOut">
               <a:rPr lang="pt-BR" smtClean="0"/>
               <a:pPr/>
-              <a:t>07/01/2012</a:t>
+              <a:t>01/02/2012</a:t>
             </a:fld>
             <a:endParaRPr lang="pt-BR"/>
           </a:p>
@@ -383,7 +383,7 @@
     </p:spTree>
     <p:extLst>
       <p:ext uri="{BB962C8B-B14F-4D97-AF65-F5344CB8AC3E}">
-        <p14:creationId xmlns:p14="http://schemas.microsoft.com/office/powerpoint/2010/main" xmlns="" val="856038157"/>
+        <p14:creationId xmlns:p14="http://schemas.microsoft.com/office/powerpoint/2010/main" val="856038157"/>
       </p:ext>
     </p:extLst>
   </p:cSld>
@@ -558,7 +558,7 @@
     </p:spTree>
     <p:extLst>
       <p:ext uri="{BB962C8B-B14F-4D97-AF65-F5344CB8AC3E}">
-        <p14:creationId xmlns:p14="http://schemas.microsoft.com/office/powerpoint/2010/main" xmlns="" val="1127043079"/>
+        <p14:creationId xmlns:p14="http://schemas.microsoft.com/office/powerpoint/2010/main" val="1127043079"/>
       </p:ext>
     </p:extLst>
   </p:cSld>
@@ -643,7 +643,7 @@
     </p:spTree>
     <p:extLst>
       <p:ext uri="{BB962C8B-B14F-4D97-AF65-F5344CB8AC3E}">
-        <p14:creationId xmlns:p14="http://schemas.microsoft.com/office/powerpoint/2010/main" xmlns="" val="2169336666"/>
+        <p14:creationId xmlns:p14="http://schemas.microsoft.com/office/powerpoint/2010/main" val="2169336666"/>
       </p:ext>
     </p:extLst>
   </p:cSld>
@@ -728,7 +728,7 @@
     </p:spTree>
     <p:extLst>
       <p:ext uri="{BB962C8B-B14F-4D97-AF65-F5344CB8AC3E}">
-        <p14:creationId xmlns:p14="http://schemas.microsoft.com/office/powerpoint/2010/main" xmlns="" val="1588010723"/>
+        <p14:creationId xmlns:p14="http://schemas.microsoft.com/office/powerpoint/2010/main" val="1588010723"/>
       </p:ext>
     </p:extLst>
   </p:cSld>
@@ -813,7 +813,7 @@
     </p:spTree>
     <p:extLst>
       <p:ext uri="{BB962C8B-B14F-4D97-AF65-F5344CB8AC3E}">
-        <p14:creationId xmlns:p14="http://schemas.microsoft.com/office/powerpoint/2010/main" xmlns="" val="1192342838"/>
+        <p14:creationId xmlns:p14="http://schemas.microsoft.com/office/powerpoint/2010/main" val="1192342838"/>
       </p:ext>
     </p:extLst>
   </p:cSld>
@@ -898,7 +898,7 @@
     </p:spTree>
     <p:extLst>
       <p:ext uri="{BB962C8B-B14F-4D97-AF65-F5344CB8AC3E}">
-        <p14:creationId xmlns:p14="http://schemas.microsoft.com/office/powerpoint/2010/main" xmlns="" val="1660525573"/>
+        <p14:creationId xmlns:p14="http://schemas.microsoft.com/office/powerpoint/2010/main" val="1660525573"/>
       </p:ext>
     </p:extLst>
   </p:cSld>
@@ -983,7 +983,7 @@
     </p:spTree>
     <p:extLst>
       <p:ext uri="{BB962C8B-B14F-4D97-AF65-F5344CB8AC3E}">
-        <p14:creationId xmlns:p14="http://schemas.microsoft.com/office/powerpoint/2010/main" xmlns="" val="90049416"/>
+        <p14:creationId xmlns:p14="http://schemas.microsoft.com/office/powerpoint/2010/main" val="90049416"/>
       </p:ext>
     </p:extLst>
   </p:cSld>
@@ -1068,7 +1068,7 @@
     </p:spTree>
     <p:extLst>
       <p:ext uri="{BB962C8B-B14F-4D97-AF65-F5344CB8AC3E}">
-        <p14:creationId xmlns:p14="http://schemas.microsoft.com/office/powerpoint/2010/main" xmlns="" val="1800309544"/>
+        <p14:creationId xmlns:p14="http://schemas.microsoft.com/office/powerpoint/2010/main" val="1800309544"/>
       </p:ext>
     </p:extLst>
   </p:cSld>
@@ -1153,7 +1153,7 @@
     </p:spTree>
     <p:extLst>
       <p:ext uri="{BB962C8B-B14F-4D97-AF65-F5344CB8AC3E}">
-        <p14:creationId xmlns:p14="http://schemas.microsoft.com/office/powerpoint/2010/main" xmlns="" val="1257025647"/>
+        <p14:creationId xmlns:p14="http://schemas.microsoft.com/office/powerpoint/2010/main" val="1257025647"/>
       </p:ext>
     </p:extLst>
   </p:cSld>
@@ -1238,7 +1238,7 @@
     </p:spTree>
     <p:extLst>
       <p:ext uri="{BB962C8B-B14F-4D97-AF65-F5344CB8AC3E}">
-        <p14:creationId xmlns:p14="http://schemas.microsoft.com/office/powerpoint/2010/main" xmlns="" val="771887568"/>
+        <p14:creationId xmlns:p14="http://schemas.microsoft.com/office/powerpoint/2010/main" val="771887568"/>
       </p:ext>
     </p:extLst>
   </p:cSld>
@@ -1323,7 +1323,7 @@
     </p:spTree>
     <p:extLst>
       <p:ext uri="{BB962C8B-B14F-4D97-AF65-F5344CB8AC3E}">
-        <p14:creationId xmlns:p14="http://schemas.microsoft.com/office/powerpoint/2010/main" xmlns="" val="2891726635"/>
+        <p14:creationId xmlns:p14="http://schemas.microsoft.com/office/powerpoint/2010/main" val="2891726635"/>
       </p:ext>
     </p:extLst>
   </p:cSld>
@@ -1408,7 +1408,7 @@
     </p:spTree>
     <p:extLst>
       <p:ext uri="{BB962C8B-B14F-4D97-AF65-F5344CB8AC3E}">
-        <p14:creationId xmlns:p14="http://schemas.microsoft.com/office/powerpoint/2010/main" xmlns="" val="3781205113"/>
+        <p14:creationId xmlns:p14="http://schemas.microsoft.com/office/powerpoint/2010/main" val="3781205113"/>
       </p:ext>
     </p:extLst>
   </p:cSld>
@@ -1493,7 +1493,7 @@
     </p:spTree>
     <p:extLst>
       <p:ext uri="{BB962C8B-B14F-4D97-AF65-F5344CB8AC3E}">
-        <p14:creationId xmlns:p14="http://schemas.microsoft.com/office/powerpoint/2010/main" xmlns="" val="3278746458"/>
+        <p14:creationId xmlns:p14="http://schemas.microsoft.com/office/powerpoint/2010/main" val="3278746458"/>
       </p:ext>
     </p:extLst>
   </p:cSld>
@@ -1578,7 +1578,7 @@
     </p:spTree>
     <p:extLst>
       <p:ext uri="{BB962C8B-B14F-4D97-AF65-F5344CB8AC3E}">
-        <p14:creationId xmlns:p14="http://schemas.microsoft.com/office/powerpoint/2010/main" xmlns="" val="3182283297"/>
+        <p14:creationId xmlns:p14="http://schemas.microsoft.com/office/powerpoint/2010/main" val="3182283297"/>
       </p:ext>
     </p:extLst>
   </p:cSld>
@@ -1663,7 +1663,7 @@
     </p:spTree>
     <p:extLst>
       <p:ext uri="{BB962C8B-B14F-4D97-AF65-F5344CB8AC3E}">
-        <p14:creationId xmlns:p14="http://schemas.microsoft.com/office/powerpoint/2010/main" xmlns="" val="987211773"/>
+        <p14:creationId xmlns:p14="http://schemas.microsoft.com/office/powerpoint/2010/main" val="987211773"/>
       </p:ext>
     </p:extLst>
   </p:cSld>
@@ -1748,7 +1748,7 @@
     </p:spTree>
     <p:extLst>
       <p:ext uri="{BB962C8B-B14F-4D97-AF65-F5344CB8AC3E}">
-        <p14:creationId xmlns:p14="http://schemas.microsoft.com/office/powerpoint/2010/main" xmlns="" val="926932866"/>
+        <p14:creationId xmlns:p14="http://schemas.microsoft.com/office/powerpoint/2010/main" val="926932866"/>
       </p:ext>
     </p:extLst>
   </p:cSld>
@@ -1833,7 +1833,7 @@
     </p:spTree>
     <p:extLst>
       <p:ext uri="{BB962C8B-B14F-4D97-AF65-F5344CB8AC3E}">
-        <p14:creationId xmlns:p14="http://schemas.microsoft.com/office/powerpoint/2010/main" xmlns="" val="581346620"/>
+        <p14:creationId xmlns:p14="http://schemas.microsoft.com/office/powerpoint/2010/main" val="581346620"/>
       </p:ext>
     </p:extLst>
   </p:cSld>
@@ -1918,7 +1918,7 @@
     </p:spTree>
     <p:extLst>
       <p:ext uri="{BB962C8B-B14F-4D97-AF65-F5344CB8AC3E}">
-        <p14:creationId xmlns:p14="http://schemas.microsoft.com/office/powerpoint/2010/main" xmlns="" val="1493323674"/>
+        <p14:creationId xmlns:p14="http://schemas.microsoft.com/office/powerpoint/2010/main" val="1493323674"/>
       </p:ext>
     </p:extLst>
   </p:cSld>
@@ -2119,7 +2119,7 @@
             <a:fld id="{B4E7ACB1-C3B5-47C6-AE9F-6E5695BE8FDA}" type="datetimeFigureOut">
               <a:rPr lang="pt-BR" smtClean="0"/>
               <a:pPr/>
-              <a:t>07/01/2012</a:t>
+              <a:t>01/02/2012</a:t>
             </a:fld>
             <a:endParaRPr lang="pt-BR"/>
           </a:p>
@@ -2171,7 +2171,7 @@
     </p:spTree>
     <p:extLst>
       <p:ext uri="{BB962C8B-B14F-4D97-AF65-F5344CB8AC3E}">
-        <p14:creationId xmlns:p14="http://schemas.microsoft.com/office/powerpoint/2010/main" xmlns="" val="3819067513"/>
+        <p14:creationId xmlns:p14="http://schemas.microsoft.com/office/powerpoint/2010/main" val="3819067513"/>
       </p:ext>
     </p:extLst>
   </p:cSld>
@@ -2343,7 +2343,7 @@
             <a:fld id="{B4E7ACB1-C3B5-47C6-AE9F-6E5695BE8FDA}" type="datetimeFigureOut">
               <a:rPr lang="pt-BR" smtClean="0"/>
               <a:pPr/>
-              <a:t>07/01/2012</a:t>
+              <a:t>01/02/2012</a:t>
             </a:fld>
             <a:endParaRPr lang="pt-BR"/>
           </a:p>
@@ -2395,7 +2395,7 @@
     </p:spTree>
     <p:extLst>
       <p:ext uri="{BB962C8B-B14F-4D97-AF65-F5344CB8AC3E}">
-        <p14:creationId xmlns:p14="http://schemas.microsoft.com/office/powerpoint/2010/main" xmlns="" val="4293683188"/>
+        <p14:creationId xmlns:p14="http://schemas.microsoft.com/office/powerpoint/2010/main" val="4293683188"/>
       </p:ext>
     </p:extLst>
   </p:cSld>
@@ -2577,7 +2577,7 @@
             <a:fld id="{B4E7ACB1-C3B5-47C6-AE9F-6E5695BE8FDA}" type="datetimeFigureOut">
               <a:rPr lang="pt-BR" smtClean="0"/>
               <a:pPr/>
-              <a:t>07/01/2012</a:t>
+              <a:t>01/02/2012</a:t>
             </a:fld>
             <a:endParaRPr lang="pt-BR"/>
           </a:p>
@@ -2629,7 +2629,7 @@
     </p:spTree>
     <p:extLst>
       <p:ext uri="{BB962C8B-B14F-4D97-AF65-F5344CB8AC3E}">
-        <p14:creationId xmlns:p14="http://schemas.microsoft.com/office/powerpoint/2010/main" xmlns="" val="932540526"/>
+        <p14:creationId xmlns:p14="http://schemas.microsoft.com/office/powerpoint/2010/main" val="932540526"/>
       </p:ext>
     </p:extLst>
   </p:cSld>
@@ -2676,7 +2676,7 @@
           <a:blip r:embed="rId2" cstate="print">
             <a:extLst>
               <a:ext uri="{BEBA8EAE-BF5A-486C-A8C5-ECC9F3942E4B}">
-                <a14:imgProps xmlns:a14="http://schemas.microsoft.com/office/drawing/2010/main" xmlns="">
+                <a14:imgProps xmlns:a14="http://schemas.microsoft.com/office/drawing/2010/main">
                   <a14:imgLayer r:embed="rId3">
                     <a14:imgEffect>
                       <a14:artisticBlur/>
@@ -2685,7 +2685,7 @@
                 </a14:imgProps>
               </a:ext>
               <a:ext uri="{28A0092B-C50C-407E-A947-70E740481C1C}">
-                <a14:useLocalDpi xmlns:a14="http://schemas.microsoft.com/office/drawing/2010/main" xmlns="" val="0"/>
+                <a14:useLocalDpi xmlns:a14="http://schemas.microsoft.com/office/drawing/2010/main" val="0"/>
               </a:ext>
             </a:extLst>
           </a:blip>
@@ -2707,14 +2707,14 @@
           </a:ln>
           <a:extLst>
             <a:ext uri="{909E8E84-426E-40DD-AFC4-6F175D3DCCD1}">
-              <a14:hiddenFill xmlns:a14="http://schemas.microsoft.com/office/drawing/2010/main" xmlns="">
+              <a14:hiddenFill xmlns:a14="http://schemas.microsoft.com/office/drawing/2010/main">
                 <a:solidFill>
                   <a:schemeClr val="accent1"/>
                 </a:solidFill>
               </a14:hiddenFill>
             </a:ext>
             <a:ext uri="{91240B29-F687-4F45-9708-019B960494DF}">
-              <a14:hiddenLine xmlns:a14="http://schemas.microsoft.com/office/drawing/2010/main" xmlns="" w="9525">
+              <a14:hiddenLine xmlns:a14="http://schemas.microsoft.com/office/drawing/2010/main" w="9525">
                 <a:solidFill>
                   <a:schemeClr val="tx1"/>
                 </a:solidFill>
@@ -2724,7 +2724,7 @@
               </a14:hiddenLine>
             </a:ext>
             <a:ext uri="{AF507438-7753-43E0-B8FC-AC1667EBCBE1}">
-              <a14:hiddenEffects xmlns:a14="http://schemas.microsoft.com/office/drawing/2010/main" xmlns="">
+              <a14:hiddenEffects xmlns:a14="http://schemas.microsoft.com/office/drawing/2010/main">
                 <a:effectLst>
                   <a:outerShdw dist="35921" dir="2700000" algn="ctr" rotWithShape="0">
                     <a:schemeClr val="bg2"/>
@@ -2920,7 +2920,7 @@
             <a:fld id="{B4E7ACB1-C3B5-47C6-AE9F-6E5695BE8FDA}" type="datetimeFigureOut">
               <a:rPr lang="pt-BR" smtClean="0"/>
               <a:pPr/>
-              <a:t>07/01/2012</a:t>
+              <a:t>01/02/2012</a:t>
             </a:fld>
             <a:endParaRPr lang="pt-BR"/>
           </a:p>
@@ -2972,7 +2972,7 @@
     </p:spTree>
     <p:extLst>
       <p:ext uri="{BB962C8B-B14F-4D97-AF65-F5344CB8AC3E}">
-        <p14:creationId xmlns:p14="http://schemas.microsoft.com/office/powerpoint/2010/main" xmlns="" val="1140807732"/>
+        <p14:creationId xmlns:p14="http://schemas.microsoft.com/office/powerpoint/2010/main" val="1140807732"/>
       </p:ext>
     </p:extLst>
   </p:cSld>
@@ -3178,7 +3178,7 @@
             <a:fld id="{B4E7ACB1-C3B5-47C6-AE9F-6E5695BE8FDA}" type="datetimeFigureOut">
               <a:rPr lang="pt-BR" smtClean="0"/>
               <a:pPr/>
-              <a:t>07/01/2012</a:t>
+              <a:t>01/02/2012</a:t>
             </a:fld>
             <a:endParaRPr lang="pt-BR"/>
           </a:p>
@@ -3230,7 +3230,7 @@
     </p:spTree>
     <p:extLst>
       <p:ext uri="{BB962C8B-B14F-4D97-AF65-F5344CB8AC3E}">
-        <p14:creationId xmlns:p14="http://schemas.microsoft.com/office/powerpoint/2010/main" xmlns="" val="3735907881"/>
+        <p14:creationId xmlns:p14="http://schemas.microsoft.com/office/powerpoint/2010/main" val="3735907881"/>
       </p:ext>
     </p:extLst>
   </p:cSld>
@@ -3524,7 +3524,7 @@
             <a:fld id="{B4E7ACB1-C3B5-47C6-AE9F-6E5695BE8FDA}" type="datetimeFigureOut">
               <a:rPr lang="pt-BR" smtClean="0"/>
               <a:pPr/>
-              <a:t>07/01/2012</a:t>
+              <a:t>01/02/2012</a:t>
             </a:fld>
             <a:endParaRPr lang="pt-BR"/>
           </a:p>
@@ -3576,7 +3576,7 @@
     </p:spTree>
     <p:extLst>
       <p:ext uri="{BB962C8B-B14F-4D97-AF65-F5344CB8AC3E}">
-        <p14:creationId xmlns:p14="http://schemas.microsoft.com/office/powerpoint/2010/main" xmlns="" val="2820318444"/>
+        <p14:creationId xmlns:p14="http://schemas.microsoft.com/office/powerpoint/2010/main" val="2820318444"/>
       </p:ext>
     </p:extLst>
   </p:cSld>
@@ -4008,7 +4008,7 @@
             <a:fld id="{B4E7ACB1-C3B5-47C6-AE9F-6E5695BE8FDA}" type="datetimeFigureOut">
               <a:rPr lang="pt-BR" smtClean="0"/>
               <a:pPr/>
-              <a:t>07/01/2012</a:t>
+              <a:t>01/02/2012</a:t>
             </a:fld>
             <a:endParaRPr lang="pt-BR"/>
           </a:p>
@@ -4060,7 +4060,7 @@
     </p:spTree>
     <p:extLst>
       <p:ext uri="{BB962C8B-B14F-4D97-AF65-F5344CB8AC3E}">
-        <p14:creationId xmlns:p14="http://schemas.microsoft.com/office/powerpoint/2010/main" xmlns="" val="566552069"/>
+        <p14:creationId xmlns:p14="http://schemas.microsoft.com/office/powerpoint/2010/main" val="566552069"/>
       </p:ext>
     </p:extLst>
   </p:cSld>
@@ -4144,7 +4144,7 @@
             <a:fld id="{B4E7ACB1-C3B5-47C6-AE9F-6E5695BE8FDA}" type="datetimeFigureOut">
               <a:rPr lang="pt-BR" smtClean="0"/>
               <a:pPr/>
-              <a:t>07/01/2012</a:t>
+              <a:t>01/02/2012</a:t>
             </a:fld>
             <a:endParaRPr lang="pt-BR"/>
           </a:p>
@@ -4196,7 +4196,7 @@
     </p:spTree>
     <p:extLst>
       <p:ext uri="{BB962C8B-B14F-4D97-AF65-F5344CB8AC3E}">
-        <p14:creationId xmlns:p14="http://schemas.microsoft.com/office/powerpoint/2010/main" xmlns="" val="1358390184"/>
+        <p14:creationId xmlns:p14="http://schemas.microsoft.com/office/powerpoint/2010/main" val="1358390184"/>
       </p:ext>
     </p:extLst>
   </p:cSld>
@@ -4249,7 +4249,7 @@
             <a:fld id="{B4E7ACB1-C3B5-47C6-AE9F-6E5695BE8FDA}" type="datetimeFigureOut">
               <a:rPr lang="pt-BR" smtClean="0"/>
               <a:pPr/>
-              <a:t>07/01/2012</a:t>
+              <a:t>01/02/2012</a:t>
             </a:fld>
             <a:endParaRPr lang="pt-BR"/>
           </a:p>
@@ -4301,7 +4301,7 @@
     </p:spTree>
     <p:extLst>
       <p:ext uri="{BB962C8B-B14F-4D97-AF65-F5344CB8AC3E}">
-        <p14:creationId xmlns:p14="http://schemas.microsoft.com/office/powerpoint/2010/main" xmlns="" val="3705262111"/>
+        <p14:creationId xmlns:p14="http://schemas.microsoft.com/office/powerpoint/2010/main" val="3705262111"/>
       </p:ext>
     </p:extLst>
   </p:cSld>
@@ -4564,7 +4564,7 @@
             <a:fld id="{B4E7ACB1-C3B5-47C6-AE9F-6E5695BE8FDA}" type="datetimeFigureOut">
               <a:rPr lang="pt-BR" smtClean="0"/>
               <a:pPr/>
-              <a:t>07/01/2012</a:t>
+              <a:t>01/02/2012</a:t>
             </a:fld>
             <a:endParaRPr lang="pt-BR"/>
           </a:p>
@@ -4616,7 +4616,7 @@
     </p:spTree>
     <p:extLst>
       <p:ext uri="{BB962C8B-B14F-4D97-AF65-F5344CB8AC3E}">
-        <p14:creationId xmlns:p14="http://schemas.microsoft.com/office/powerpoint/2010/main" xmlns="" val="2189634051"/>
+        <p14:creationId xmlns:p14="http://schemas.microsoft.com/office/powerpoint/2010/main" val="2189634051"/>
       </p:ext>
     </p:extLst>
   </p:cSld>
@@ -4835,7 +4835,7 @@
             <a:fld id="{B4E7ACB1-C3B5-47C6-AE9F-6E5695BE8FDA}" type="datetimeFigureOut">
               <a:rPr lang="pt-BR" smtClean="0"/>
               <a:pPr/>
-              <a:t>07/01/2012</a:t>
+              <a:t>01/02/2012</a:t>
             </a:fld>
             <a:endParaRPr lang="pt-BR"/>
           </a:p>
@@ -4887,7 +4887,7 @@
     </p:spTree>
     <p:extLst>
       <p:ext uri="{BB962C8B-B14F-4D97-AF65-F5344CB8AC3E}">
-        <p14:creationId xmlns:p14="http://schemas.microsoft.com/office/powerpoint/2010/main" xmlns="" val="3848481695"/>
+        <p14:creationId xmlns:p14="http://schemas.microsoft.com/office/powerpoint/2010/main" val="3848481695"/>
       </p:ext>
     </p:extLst>
   </p:cSld>
@@ -5051,7 +5051,7 @@
             <a:fld id="{B4E7ACB1-C3B5-47C6-AE9F-6E5695BE8FDA}" type="datetimeFigureOut">
               <a:rPr lang="pt-BR" smtClean="0"/>
               <a:pPr/>
-              <a:t>07/01/2012</a:t>
+              <a:t>01/02/2012</a:t>
             </a:fld>
             <a:endParaRPr lang="pt-BR"/>
           </a:p>
@@ -5165,7 +5165,7 @@
     </p:spTree>
     <p:extLst>
       <p:ext uri="{BB962C8B-B14F-4D97-AF65-F5344CB8AC3E}">
-        <p14:creationId xmlns:p14="http://schemas.microsoft.com/office/powerpoint/2010/main" xmlns="" val="2257276274"/>
+        <p14:creationId xmlns:p14="http://schemas.microsoft.com/office/powerpoint/2010/main" val="2257276274"/>
       </p:ext>
     </p:extLst>
   </p:cSld>
@@ -5473,7 +5473,7 @@
           <a:blip r:embed="rId2" cstate="print">
             <a:extLst>
               <a:ext uri="{28A0092B-C50C-407E-A947-70E740481C1C}">
-                <a14:useLocalDpi xmlns:a14="http://schemas.microsoft.com/office/drawing/2010/main" xmlns="" val="0"/>
+                <a14:useLocalDpi xmlns:a14="http://schemas.microsoft.com/office/drawing/2010/main" val="0"/>
               </a:ext>
             </a:extLst>
           </a:blip>
@@ -5497,14 +5497,14 @@
           <a:effectLst/>
           <a:extLst>
             <a:ext uri="{909E8E84-426E-40DD-AFC4-6F175D3DCCD1}">
-              <a14:hiddenFill xmlns:a14="http://schemas.microsoft.com/office/drawing/2010/main" xmlns="">
+              <a14:hiddenFill xmlns:a14="http://schemas.microsoft.com/office/drawing/2010/main">
                 <a:solidFill>
                   <a:schemeClr val="accent1"/>
                 </a:solidFill>
               </a14:hiddenFill>
             </a:ext>
             <a:ext uri="{91240B29-F687-4F45-9708-019B960494DF}">
-              <a14:hiddenLine xmlns:a14="http://schemas.microsoft.com/office/drawing/2010/main" xmlns="" w="9525">
+              <a14:hiddenLine xmlns:a14="http://schemas.microsoft.com/office/drawing/2010/main" w="9525">
                 <a:solidFill>
                   <a:schemeClr val="tx1"/>
                 </a:solidFill>
@@ -5514,7 +5514,7 @@
               </a14:hiddenLine>
             </a:ext>
             <a:ext uri="{AF507438-7753-43E0-B8FC-AC1667EBCBE1}">
-              <a14:hiddenEffects xmlns:a14="http://schemas.microsoft.com/office/drawing/2010/main" xmlns="">
+              <a14:hiddenEffects xmlns:a14="http://schemas.microsoft.com/office/drawing/2010/main">
                 <a:effectLst>
                   <a:outerShdw dist="35921" dir="2700000" algn="ctr" rotWithShape="0">
                     <a:schemeClr val="bg2"/>
@@ -5618,7 +5618,7 @@
     </p:spTree>
     <p:extLst>
       <p:ext uri="{BB962C8B-B14F-4D97-AF65-F5344CB8AC3E}">
-        <p14:creationId xmlns:p14="http://schemas.microsoft.com/office/powerpoint/2010/main" xmlns="" val="313402792"/>
+        <p14:creationId xmlns:p14="http://schemas.microsoft.com/office/powerpoint/2010/main" val="313402792"/>
       </p:ext>
     </p:extLst>
   </p:cSld>
@@ -5775,7 +5775,7 @@
           <a:blip r:embed="rId3" cstate="print">
             <a:extLst>
               <a:ext uri="{28A0092B-C50C-407E-A947-70E740481C1C}">
-                <a14:useLocalDpi xmlns:a14="http://schemas.microsoft.com/office/drawing/2010/main" xmlns="" val="0"/>
+                <a14:useLocalDpi xmlns:a14="http://schemas.microsoft.com/office/drawing/2010/main" val="0"/>
               </a:ext>
             </a:extLst>
           </a:blip>
@@ -5795,7 +5795,7 @@
           <a:noFill/>
           <a:extLst>
             <a:ext uri="{909E8E84-426E-40DD-AFC4-6F175D3DCCD1}">
-              <a14:hiddenFill xmlns:a14="http://schemas.microsoft.com/office/drawing/2010/main" xmlns="">
+              <a14:hiddenFill xmlns:a14="http://schemas.microsoft.com/office/drawing/2010/main">
                 <a:solidFill>
                   <a:srgbClr val="FFFFFF"/>
                 </a:solidFill>
@@ -5807,7 +5807,7 @@
     </p:spTree>
     <p:extLst>
       <p:ext uri="{BB962C8B-B14F-4D97-AF65-F5344CB8AC3E}">
-        <p14:creationId xmlns:p14="http://schemas.microsoft.com/office/powerpoint/2010/main" xmlns="" val="1770464645"/>
+        <p14:creationId xmlns:p14="http://schemas.microsoft.com/office/powerpoint/2010/main" val="1770464645"/>
       </p:ext>
     </p:extLst>
   </p:cSld>
@@ -6023,7 +6023,7 @@
     </p:spTree>
     <p:extLst>
       <p:ext uri="{BB962C8B-B14F-4D97-AF65-F5344CB8AC3E}">
-        <p14:creationId xmlns:p14="http://schemas.microsoft.com/office/powerpoint/2010/main" xmlns="" val="3679395065"/>
+        <p14:creationId xmlns:p14="http://schemas.microsoft.com/office/powerpoint/2010/main" val="3679395065"/>
       </p:ext>
     </p:extLst>
   </p:cSld>
@@ -6080,23 +6080,7 @@
           <a:p>
             <a:r>
               <a:rPr lang="en-US" dirty="0" smtClean="0"/>
-              <a:t>JAVA </a:t>
-            </a:r>
-            <a:r>
-              <a:rPr lang="en-US" dirty="0" smtClean="0"/>
-              <a:t>Platform</a:t>
-            </a:r>
-            <a:r>
-              <a:rPr lang="en-US" dirty="0" smtClean="0"/>
-              <a:t>, Standard Edition (</a:t>
-            </a:r>
-            <a:r>
-              <a:rPr lang="en-US" dirty="0" smtClean="0"/>
-              <a:t>J SE</a:t>
-            </a:r>
-            <a:r>
-              <a:rPr lang="en-US" dirty="0" smtClean="0"/>
-              <a:t>), </a:t>
+              <a:t>JAVA Platform, Standard Edition (J SE), </a:t>
             </a:r>
             <a:r>
               <a:rPr lang="en-US" dirty="0" err="1" smtClean="0"/>
@@ -6124,7 +6108,7 @@
           <a:blip r:embed="rId3" cstate="print">
             <a:extLst>
               <a:ext uri="{28A0092B-C50C-407E-A947-70E740481C1C}">
-                <a14:useLocalDpi xmlns:a14="http://schemas.microsoft.com/office/drawing/2010/main" xmlns="" val="0"/>
+                <a14:useLocalDpi xmlns:a14="http://schemas.microsoft.com/office/drawing/2010/main" val="0"/>
               </a:ext>
             </a:extLst>
           </a:blip>
@@ -6312,7 +6296,7 @@
     </p:spTree>
     <p:extLst>
       <p:ext uri="{BB962C8B-B14F-4D97-AF65-F5344CB8AC3E}">
-        <p14:creationId xmlns:p14="http://schemas.microsoft.com/office/powerpoint/2010/main" xmlns="" val="2847190081"/>
+        <p14:creationId xmlns:p14="http://schemas.microsoft.com/office/powerpoint/2010/main" val="2847190081"/>
       </p:ext>
     </p:extLst>
   </p:cSld>
@@ -6395,7 +6379,7 @@
           <a:blip r:embed="rId3" cstate="print">
             <a:extLst>
               <a:ext uri="{28A0092B-C50C-407E-A947-70E740481C1C}">
-                <a14:useLocalDpi xmlns:a14="http://schemas.microsoft.com/office/drawing/2010/main" xmlns="" val="0"/>
+                <a14:useLocalDpi xmlns:a14="http://schemas.microsoft.com/office/drawing/2010/main" val="0"/>
               </a:ext>
             </a:extLst>
           </a:blip>
@@ -6419,14 +6403,14 @@
           <a:effectLst/>
           <a:extLst>
             <a:ext uri="{909E8E84-426E-40DD-AFC4-6F175D3DCCD1}">
-              <a14:hiddenFill xmlns:a14="http://schemas.microsoft.com/office/drawing/2010/main" xmlns="">
+              <a14:hiddenFill xmlns:a14="http://schemas.microsoft.com/office/drawing/2010/main">
                 <a:solidFill>
                   <a:schemeClr val="accent1"/>
                 </a:solidFill>
               </a14:hiddenFill>
             </a:ext>
             <a:ext uri="{91240B29-F687-4F45-9708-019B960494DF}">
-              <a14:hiddenLine xmlns:a14="http://schemas.microsoft.com/office/drawing/2010/main" xmlns="" w="9525">
+              <a14:hiddenLine xmlns:a14="http://schemas.microsoft.com/office/drawing/2010/main" w="9525">
                 <a:solidFill>
                   <a:schemeClr val="tx1"/>
                 </a:solidFill>
@@ -6436,7 +6420,7 @@
               </a14:hiddenLine>
             </a:ext>
             <a:ext uri="{AF507438-7753-43E0-B8FC-AC1667EBCBE1}">
-              <a14:hiddenEffects xmlns:a14="http://schemas.microsoft.com/office/drawing/2010/main" xmlns="">
+              <a14:hiddenEffects xmlns:a14="http://schemas.microsoft.com/office/drawing/2010/main">
                 <a:effectLst>
                   <a:outerShdw dist="35921" dir="2700000" algn="ctr" rotWithShape="0">
                     <a:schemeClr val="bg2"/>
@@ -6450,7 +6434,7 @@
     </p:spTree>
     <p:extLst>
       <p:ext uri="{BB962C8B-B14F-4D97-AF65-F5344CB8AC3E}">
-        <p14:creationId xmlns:p14="http://schemas.microsoft.com/office/powerpoint/2010/main" xmlns="" val="2480250534"/>
+        <p14:creationId xmlns:p14="http://schemas.microsoft.com/office/powerpoint/2010/main" val="2480250534"/>
       </p:ext>
     </p:extLst>
   </p:cSld>
@@ -6521,7 +6505,7 @@
           <a:blip r:embed="rId3" cstate="print">
             <a:extLst>
               <a:ext uri="{28A0092B-C50C-407E-A947-70E740481C1C}">
-                <a14:useLocalDpi xmlns:a14="http://schemas.microsoft.com/office/drawing/2010/main" xmlns="" val="0"/>
+                <a14:useLocalDpi xmlns:a14="http://schemas.microsoft.com/office/drawing/2010/main" val="0"/>
               </a:ext>
             </a:extLst>
           </a:blip>
@@ -6545,14 +6529,14 @@
           <a:effectLst/>
           <a:extLst>
             <a:ext uri="{909E8E84-426E-40DD-AFC4-6F175D3DCCD1}">
-              <a14:hiddenFill xmlns:a14="http://schemas.microsoft.com/office/drawing/2010/main" xmlns="">
+              <a14:hiddenFill xmlns:a14="http://schemas.microsoft.com/office/drawing/2010/main">
                 <a:solidFill>
                   <a:schemeClr val="accent1"/>
                 </a:solidFill>
               </a14:hiddenFill>
             </a:ext>
             <a:ext uri="{91240B29-F687-4F45-9708-019B960494DF}">
-              <a14:hiddenLine xmlns:a14="http://schemas.microsoft.com/office/drawing/2010/main" xmlns="" w="9525">
+              <a14:hiddenLine xmlns:a14="http://schemas.microsoft.com/office/drawing/2010/main" w="9525">
                 <a:solidFill>
                   <a:schemeClr val="tx1"/>
                 </a:solidFill>
@@ -6562,7 +6546,7 @@
               </a14:hiddenLine>
             </a:ext>
             <a:ext uri="{AF507438-7753-43E0-B8FC-AC1667EBCBE1}">
-              <a14:hiddenEffects xmlns:a14="http://schemas.microsoft.com/office/drawing/2010/main" xmlns="">
+              <a14:hiddenEffects xmlns:a14="http://schemas.microsoft.com/office/drawing/2010/main">
                 <a:effectLst>
                   <a:outerShdw dist="35921" dir="2700000" algn="ctr" rotWithShape="0">
                     <a:schemeClr val="bg2"/>
@@ -6576,7 +6560,7 @@
     </p:spTree>
     <p:extLst>
       <p:ext uri="{BB962C8B-B14F-4D97-AF65-F5344CB8AC3E}">
-        <p14:creationId xmlns:p14="http://schemas.microsoft.com/office/powerpoint/2010/main" xmlns="" val="2375160099"/>
+        <p14:creationId xmlns:p14="http://schemas.microsoft.com/office/powerpoint/2010/main" val="2375160099"/>
       </p:ext>
     </p:extLst>
   </p:cSld>
@@ -6716,7 +6700,7 @@
           <a:blip r:embed="rId2" cstate="print">
             <a:extLst>
               <a:ext uri="{28A0092B-C50C-407E-A947-70E740481C1C}">
-                <a14:useLocalDpi xmlns:a14="http://schemas.microsoft.com/office/drawing/2010/main" xmlns="" val="0"/>
+                <a14:useLocalDpi xmlns:a14="http://schemas.microsoft.com/office/drawing/2010/main" val="0"/>
               </a:ext>
             </a:extLst>
           </a:blip>
@@ -6736,7 +6720,7 @@
           <a:noFill/>
           <a:extLst>
             <a:ext uri="{909E8E84-426E-40DD-AFC4-6F175D3DCCD1}">
-              <a14:hiddenFill xmlns:a14="http://schemas.microsoft.com/office/drawing/2010/main" xmlns="">
+              <a14:hiddenFill xmlns:a14="http://schemas.microsoft.com/office/drawing/2010/main">
                 <a:solidFill>
                   <a:srgbClr val="FFFFFF"/>
                 </a:solidFill>
@@ -6748,7 +6732,7 @@
     </p:spTree>
     <p:extLst>
       <p:ext uri="{BB962C8B-B14F-4D97-AF65-F5344CB8AC3E}">
-        <p14:creationId xmlns:p14="http://schemas.microsoft.com/office/powerpoint/2010/main" xmlns="" val="3287296864"/>
+        <p14:creationId xmlns:p14="http://schemas.microsoft.com/office/powerpoint/2010/main" val="3287296864"/>
       </p:ext>
     </p:extLst>
   </p:cSld>
@@ -6822,7 +6806,7 @@
           <a:blip r:embed="rId3" cstate="print">
             <a:extLst>
               <a:ext uri="{28A0092B-C50C-407E-A947-70E740481C1C}">
-                <a14:useLocalDpi xmlns:a14="http://schemas.microsoft.com/office/drawing/2010/main" xmlns="" val="0"/>
+                <a14:useLocalDpi xmlns:a14="http://schemas.microsoft.com/office/drawing/2010/main" val="0"/>
               </a:ext>
             </a:extLst>
           </a:blip>
@@ -6842,7 +6826,7 @@
           <a:noFill/>
           <a:extLst>
             <a:ext uri="{909E8E84-426E-40DD-AFC4-6F175D3DCCD1}">
-              <a14:hiddenFill xmlns:a14="http://schemas.microsoft.com/office/drawing/2010/main" xmlns="">
+              <a14:hiddenFill xmlns:a14="http://schemas.microsoft.com/office/drawing/2010/main">
                 <a:solidFill>
                   <a:srgbClr val="FFFFFF"/>
                 </a:solidFill>
@@ -6854,7 +6838,7 @@
     </p:spTree>
     <p:extLst>
       <p:ext uri="{BB962C8B-B14F-4D97-AF65-F5344CB8AC3E}">
-        <p14:creationId xmlns:p14="http://schemas.microsoft.com/office/powerpoint/2010/main" xmlns="" val="2837073400"/>
+        <p14:creationId xmlns:p14="http://schemas.microsoft.com/office/powerpoint/2010/main" val="2837073400"/>
       </p:ext>
     </p:extLst>
   </p:cSld>
@@ -6932,7 +6916,7 @@
           <a:blip r:embed="rId3" cstate="print">
             <a:extLst>
               <a:ext uri="{28A0092B-C50C-407E-A947-70E740481C1C}">
-                <a14:useLocalDpi xmlns:a14="http://schemas.microsoft.com/office/drawing/2010/main" xmlns="" val="0"/>
+                <a14:useLocalDpi xmlns:a14="http://schemas.microsoft.com/office/drawing/2010/main" val="0"/>
               </a:ext>
             </a:extLst>
           </a:blip>
@@ -6952,7 +6936,7 @@
           <a:noFill/>
           <a:extLst>
             <a:ext uri="{909E8E84-426E-40DD-AFC4-6F175D3DCCD1}">
-              <a14:hiddenFill xmlns:a14="http://schemas.microsoft.com/office/drawing/2010/main" xmlns="">
+              <a14:hiddenFill xmlns:a14="http://schemas.microsoft.com/office/drawing/2010/main">
                 <a:solidFill>
                   <a:srgbClr val="FFFFFF"/>
                 </a:solidFill>
@@ -6964,7 +6948,7 @@
     </p:spTree>
     <p:extLst>
       <p:ext uri="{BB962C8B-B14F-4D97-AF65-F5344CB8AC3E}">
-        <p14:creationId xmlns:p14="http://schemas.microsoft.com/office/powerpoint/2010/main" xmlns="" val="1870576778"/>
+        <p14:creationId xmlns:p14="http://schemas.microsoft.com/office/powerpoint/2010/main" val="1870576778"/>
       </p:ext>
     </p:extLst>
   </p:cSld>
@@ -7038,7 +7022,7 @@
           <a:blip r:embed="rId3" cstate="print">
             <a:extLst>
               <a:ext uri="{28A0092B-C50C-407E-A947-70E740481C1C}">
-                <a14:useLocalDpi xmlns:a14="http://schemas.microsoft.com/office/drawing/2010/main" xmlns="" val="0"/>
+                <a14:useLocalDpi xmlns:a14="http://schemas.microsoft.com/office/drawing/2010/main" val="0"/>
               </a:ext>
             </a:extLst>
           </a:blip>
@@ -7058,7 +7042,7 @@
           <a:noFill/>
           <a:extLst>
             <a:ext uri="{909E8E84-426E-40DD-AFC4-6F175D3DCCD1}">
-              <a14:hiddenFill xmlns:a14="http://schemas.microsoft.com/office/drawing/2010/main" xmlns="">
+              <a14:hiddenFill xmlns:a14="http://schemas.microsoft.com/office/drawing/2010/main">
                 <a:solidFill>
                   <a:srgbClr val="FFFFFF"/>
                 </a:solidFill>
@@ -7070,7 +7054,7 @@
     </p:spTree>
     <p:extLst>
       <p:ext uri="{BB962C8B-B14F-4D97-AF65-F5344CB8AC3E}">
-        <p14:creationId xmlns:p14="http://schemas.microsoft.com/office/powerpoint/2010/main" xmlns="" val="2265912362"/>
+        <p14:creationId xmlns:p14="http://schemas.microsoft.com/office/powerpoint/2010/main" val="2265912362"/>
       </p:ext>
     </p:extLst>
   </p:cSld>
@@ -7140,7 +7124,7 @@
           <a:blip r:embed="rId3" cstate="print">
             <a:extLst>
               <a:ext uri="{28A0092B-C50C-407E-A947-70E740481C1C}">
-                <a14:useLocalDpi xmlns:a14="http://schemas.microsoft.com/office/drawing/2010/main" xmlns="" val="0"/>
+                <a14:useLocalDpi xmlns:a14="http://schemas.microsoft.com/office/drawing/2010/main" val="0"/>
               </a:ext>
             </a:extLst>
           </a:blip>
@@ -7160,7 +7144,7 @@
           <a:noFill/>
           <a:extLst>
             <a:ext uri="{909E8E84-426E-40DD-AFC4-6F175D3DCCD1}">
-              <a14:hiddenFill xmlns:a14="http://schemas.microsoft.com/office/drawing/2010/main" xmlns="">
+              <a14:hiddenFill xmlns:a14="http://schemas.microsoft.com/office/drawing/2010/main">
                 <a:solidFill>
                   <a:srgbClr val="FFFFFF"/>
                 </a:solidFill>
@@ -7172,7 +7156,7 @@
     </p:spTree>
     <p:extLst>
       <p:ext uri="{BB962C8B-B14F-4D97-AF65-F5344CB8AC3E}">
-        <p14:creationId xmlns:p14="http://schemas.microsoft.com/office/powerpoint/2010/main" xmlns="" val="248406119"/>
+        <p14:creationId xmlns:p14="http://schemas.microsoft.com/office/powerpoint/2010/main" val="248406119"/>
       </p:ext>
     </p:extLst>
   </p:cSld>
@@ -7462,7 +7446,7 @@
     </p:spTree>
     <p:extLst>
       <p:ext uri="{BB962C8B-B14F-4D97-AF65-F5344CB8AC3E}">
-        <p14:creationId xmlns:p14="http://schemas.microsoft.com/office/powerpoint/2010/main" xmlns="" val="681958526"/>
+        <p14:creationId xmlns:p14="http://schemas.microsoft.com/office/powerpoint/2010/main" val="681958526"/>
       </p:ext>
     </p:extLst>
   </p:cSld>
@@ -7518,7 +7502,7 @@
             </a:r>
             <a:r>
               <a:rPr lang="en-US" dirty="0" err="1" smtClean="0"/>
-              <a:t>Implementação</a:t>
+              <a:t>Implantação</a:t>
             </a:r>
             <a:r>
               <a:rPr lang="en-US" dirty="0" smtClean="0"/>
@@ -7540,7 +7524,7 @@
           <a:blip r:embed="rId3" cstate="print">
             <a:extLst>
               <a:ext uri="{28A0092B-C50C-407E-A947-70E740481C1C}">
-                <a14:useLocalDpi xmlns:a14="http://schemas.microsoft.com/office/drawing/2010/main" xmlns="" val="0"/>
+                <a14:useLocalDpi xmlns:a14="http://schemas.microsoft.com/office/drawing/2010/main" val="0"/>
               </a:ext>
             </a:extLst>
           </a:blip>
@@ -7560,7 +7544,7 @@
           <a:noFill/>
           <a:extLst>
             <a:ext uri="{909E8E84-426E-40DD-AFC4-6F175D3DCCD1}">
-              <a14:hiddenFill xmlns:a14="http://schemas.microsoft.com/office/drawing/2010/main" xmlns="">
+              <a14:hiddenFill xmlns:a14="http://schemas.microsoft.com/office/drawing/2010/main">
                 <a:solidFill>
                   <a:srgbClr val="FFFFFF"/>
                 </a:solidFill>
@@ -7572,7 +7556,7 @@
     </p:spTree>
     <p:extLst>
       <p:ext uri="{BB962C8B-B14F-4D97-AF65-F5344CB8AC3E}">
-        <p14:creationId xmlns:p14="http://schemas.microsoft.com/office/powerpoint/2010/main" xmlns="" val="303700275"/>
+        <p14:creationId xmlns:p14="http://schemas.microsoft.com/office/powerpoint/2010/main" val="303700275"/>
       </p:ext>
     </p:extLst>
   </p:cSld>
@@ -7642,7 +7626,7 @@
           <a:blip r:embed="rId3" cstate="print">
             <a:extLst>
               <a:ext uri="{28A0092B-C50C-407E-A947-70E740481C1C}">
-                <a14:useLocalDpi xmlns:a14="http://schemas.microsoft.com/office/drawing/2010/main" xmlns="" val="0"/>
+                <a14:useLocalDpi xmlns:a14="http://schemas.microsoft.com/office/drawing/2010/main" val="0"/>
               </a:ext>
             </a:extLst>
           </a:blip>
@@ -7662,7 +7646,7 @@
           <a:noFill/>
           <a:extLst>
             <a:ext uri="{909E8E84-426E-40DD-AFC4-6F175D3DCCD1}">
-              <a14:hiddenFill xmlns:a14="http://schemas.microsoft.com/office/drawing/2010/main" xmlns="">
+              <a14:hiddenFill xmlns:a14="http://schemas.microsoft.com/office/drawing/2010/main">
                 <a:solidFill>
                   <a:srgbClr val="FFFFFF"/>
                 </a:solidFill>
@@ -7674,7 +7658,7 @@
     </p:spTree>
     <p:extLst>
       <p:ext uri="{BB962C8B-B14F-4D97-AF65-F5344CB8AC3E}">
-        <p14:creationId xmlns:p14="http://schemas.microsoft.com/office/powerpoint/2010/main" xmlns="" val="1563972853"/>
+        <p14:creationId xmlns:p14="http://schemas.microsoft.com/office/powerpoint/2010/main" val="1563972853"/>
       </p:ext>
     </p:extLst>
   </p:cSld>
@@ -7748,7 +7732,7 @@
           <a:blip r:embed="rId3" cstate="print">
             <a:extLst>
               <a:ext uri="{28A0092B-C50C-407E-A947-70E740481C1C}">
-                <a14:useLocalDpi xmlns:a14="http://schemas.microsoft.com/office/drawing/2010/main" xmlns="" val="0"/>
+                <a14:useLocalDpi xmlns:a14="http://schemas.microsoft.com/office/drawing/2010/main" val="0"/>
               </a:ext>
             </a:extLst>
           </a:blip>
@@ -7768,7 +7752,7 @@
           <a:noFill/>
           <a:extLst>
             <a:ext uri="{909E8E84-426E-40DD-AFC4-6F175D3DCCD1}">
-              <a14:hiddenFill xmlns:a14="http://schemas.microsoft.com/office/drawing/2010/main" xmlns="">
+              <a14:hiddenFill xmlns:a14="http://schemas.microsoft.com/office/drawing/2010/main">
                 <a:solidFill>
                   <a:srgbClr val="FFFFFF"/>
                 </a:solidFill>
@@ -7780,7 +7764,7 @@
     </p:spTree>
     <p:extLst>
       <p:ext uri="{BB962C8B-B14F-4D97-AF65-F5344CB8AC3E}">
-        <p14:creationId xmlns:p14="http://schemas.microsoft.com/office/powerpoint/2010/main" xmlns="" val="741787989"/>
+        <p14:creationId xmlns:p14="http://schemas.microsoft.com/office/powerpoint/2010/main" val="741787989"/>
       </p:ext>
     </p:extLst>
   </p:cSld>
@@ -7936,7 +7920,7 @@
     </p:spTree>
     <p:extLst>
       <p:ext uri="{BB962C8B-B14F-4D97-AF65-F5344CB8AC3E}">
-        <p14:creationId xmlns:p14="http://schemas.microsoft.com/office/powerpoint/2010/main" xmlns="" val="549431020"/>
+        <p14:creationId xmlns:p14="http://schemas.microsoft.com/office/powerpoint/2010/main" val="549431020"/>
       </p:ext>
     </p:extLst>
   </p:cSld>
@@ -8120,7 +8104,7 @@
           <a:blip r:embed="rId3" cstate="print">
             <a:extLst>
               <a:ext uri="{28A0092B-C50C-407E-A947-70E740481C1C}">
-                <a14:useLocalDpi xmlns:a14="http://schemas.microsoft.com/office/drawing/2010/main" xmlns="" val="0"/>
+                <a14:useLocalDpi xmlns:a14="http://schemas.microsoft.com/office/drawing/2010/main" val="0"/>
               </a:ext>
             </a:extLst>
           </a:blip>
@@ -8144,14 +8128,14 @@
           <a:effectLst/>
           <a:extLst>
             <a:ext uri="{909E8E84-426E-40DD-AFC4-6F175D3DCCD1}">
-              <a14:hiddenFill xmlns:a14="http://schemas.microsoft.com/office/drawing/2010/main" xmlns="">
+              <a14:hiddenFill xmlns:a14="http://schemas.microsoft.com/office/drawing/2010/main">
                 <a:solidFill>
                   <a:schemeClr val="accent1"/>
                 </a:solidFill>
               </a14:hiddenFill>
             </a:ext>
             <a:ext uri="{91240B29-F687-4F45-9708-019B960494DF}">
-              <a14:hiddenLine xmlns:a14="http://schemas.microsoft.com/office/drawing/2010/main" xmlns="" w="9525">
+              <a14:hiddenLine xmlns:a14="http://schemas.microsoft.com/office/drawing/2010/main" w="9525">
                 <a:solidFill>
                   <a:schemeClr val="tx1"/>
                 </a:solidFill>
@@ -8161,7 +8145,7 @@
               </a14:hiddenLine>
             </a:ext>
             <a:ext uri="{AF507438-7753-43E0-B8FC-AC1667EBCBE1}">
-              <a14:hiddenEffects xmlns:a14="http://schemas.microsoft.com/office/drawing/2010/main" xmlns="">
+              <a14:hiddenEffects xmlns:a14="http://schemas.microsoft.com/office/drawing/2010/main">
                 <a:effectLst>
                   <a:outerShdw dist="35921" dir="2700000" algn="ctr" rotWithShape="0">
                     <a:schemeClr val="bg2"/>
@@ -8184,7 +8168,7 @@
           <a:blip r:embed="rId4" cstate="print">
             <a:extLst>
               <a:ext uri="{28A0092B-C50C-407E-A947-70E740481C1C}">
-                <a14:useLocalDpi xmlns:a14="http://schemas.microsoft.com/office/drawing/2010/main" xmlns="" val="0"/>
+                <a14:useLocalDpi xmlns:a14="http://schemas.microsoft.com/office/drawing/2010/main" val="0"/>
               </a:ext>
             </a:extLst>
           </a:blip>
@@ -8208,14 +8192,14 @@
           <a:effectLst/>
           <a:extLst>
             <a:ext uri="{909E8E84-426E-40DD-AFC4-6F175D3DCCD1}">
-              <a14:hiddenFill xmlns:a14="http://schemas.microsoft.com/office/drawing/2010/main" xmlns="">
+              <a14:hiddenFill xmlns:a14="http://schemas.microsoft.com/office/drawing/2010/main">
                 <a:solidFill>
                   <a:schemeClr val="accent1"/>
                 </a:solidFill>
               </a14:hiddenFill>
             </a:ext>
             <a:ext uri="{91240B29-F687-4F45-9708-019B960494DF}">
-              <a14:hiddenLine xmlns:a14="http://schemas.microsoft.com/office/drawing/2010/main" xmlns="" w="9525">
+              <a14:hiddenLine xmlns:a14="http://schemas.microsoft.com/office/drawing/2010/main" w="9525">
                 <a:solidFill>
                   <a:schemeClr val="tx1"/>
                 </a:solidFill>
@@ -8225,7 +8209,7 @@
               </a14:hiddenLine>
             </a:ext>
             <a:ext uri="{AF507438-7753-43E0-B8FC-AC1667EBCBE1}">
-              <a14:hiddenEffects xmlns:a14="http://schemas.microsoft.com/office/drawing/2010/main" xmlns="">
+              <a14:hiddenEffects xmlns:a14="http://schemas.microsoft.com/office/drawing/2010/main">
                 <a:effectLst>
                   <a:outerShdw dist="35921" dir="2700000" algn="ctr" rotWithShape="0">
                     <a:schemeClr val="bg2"/>
@@ -8239,7 +8223,7 @@
     </p:spTree>
     <p:extLst>
       <p:ext uri="{BB962C8B-B14F-4D97-AF65-F5344CB8AC3E}">
-        <p14:creationId xmlns:p14="http://schemas.microsoft.com/office/powerpoint/2010/main" xmlns="" val="3202484520"/>
+        <p14:creationId xmlns:p14="http://schemas.microsoft.com/office/powerpoint/2010/main" val="3202484520"/>
       </p:ext>
     </p:extLst>
   </p:cSld>
@@ -8313,7 +8297,7 @@
           <a:blip r:embed="rId3" cstate="print">
             <a:extLst>
               <a:ext uri="{28A0092B-C50C-407E-A947-70E740481C1C}">
-                <a14:useLocalDpi xmlns:a14="http://schemas.microsoft.com/office/drawing/2010/main" xmlns="" val="0"/>
+                <a14:useLocalDpi xmlns:a14="http://schemas.microsoft.com/office/drawing/2010/main" val="0"/>
               </a:ext>
             </a:extLst>
           </a:blip>
@@ -8333,7 +8317,7 @@
           <a:noFill/>
           <a:extLst>
             <a:ext uri="{909E8E84-426E-40DD-AFC4-6F175D3DCCD1}">
-              <a14:hiddenFill xmlns:a14="http://schemas.microsoft.com/office/drawing/2010/main" xmlns="">
+              <a14:hiddenFill xmlns:a14="http://schemas.microsoft.com/office/drawing/2010/main">
                 <a:solidFill>
                   <a:srgbClr val="FFFFFF"/>
                 </a:solidFill>
@@ -8345,7 +8329,7 @@
     </p:spTree>
     <p:extLst>
       <p:ext uri="{BB962C8B-B14F-4D97-AF65-F5344CB8AC3E}">
-        <p14:creationId xmlns:p14="http://schemas.microsoft.com/office/powerpoint/2010/main" xmlns="" val="2737991412"/>
+        <p14:creationId xmlns:p14="http://schemas.microsoft.com/office/powerpoint/2010/main" val="2737991412"/>
       </p:ext>
     </p:extLst>
   </p:cSld>
@@ -8695,7 +8679,7 @@
     </p:spTree>
     <p:extLst>
       <p:ext uri="{BB962C8B-B14F-4D97-AF65-F5344CB8AC3E}">
-        <p14:creationId xmlns:p14="http://schemas.microsoft.com/office/powerpoint/2010/main" xmlns="" val="3187705925"/>
+        <p14:creationId xmlns:p14="http://schemas.microsoft.com/office/powerpoint/2010/main" val="3187705925"/>
       </p:ext>
     </p:extLst>
   </p:cSld>
@@ -8869,7 +8853,7 @@
           <a:blip r:embed="rId3" cstate="print">
             <a:extLst>
               <a:ext uri="{28A0092B-C50C-407E-A947-70E740481C1C}">
-                <a14:useLocalDpi xmlns:a14="http://schemas.microsoft.com/office/drawing/2010/main" xmlns="" val="0"/>
+                <a14:useLocalDpi xmlns:a14="http://schemas.microsoft.com/office/drawing/2010/main" val="0"/>
               </a:ext>
             </a:extLst>
           </a:blip>
@@ -8889,7 +8873,7 @@
           <a:noFill/>
           <a:extLst>
             <a:ext uri="{909E8E84-426E-40DD-AFC4-6F175D3DCCD1}">
-              <a14:hiddenFill xmlns:a14="http://schemas.microsoft.com/office/drawing/2010/main" xmlns="">
+              <a14:hiddenFill xmlns:a14="http://schemas.microsoft.com/office/drawing/2010/main">
                 <a:solidFill>
                   <a:srgbClr val="FFFFFF"/>
                 </a:solidFill>
@@ -8901,7 +8885,7 @@
     </p:spTree>
     <p:extLst>
       <p:ext uri="{BB962C8B-B14F-4D97-AF65-F5344CB8AC3E}">
-        <p14:creationId xmlns:p14="http://schemas.microsoft.com/office/powerpoint/2010/main" xmlns="" val="4012183279"/>
+        <p14:creationId xmlns:p14="http://schemas.microsoft.com/office/powerpoint/2010/main" val="4012183279"/>
       </p:ext>
     </p:extLst>
   </p:cSld>
@@ -9202,7 +9186,7 @@
     </p:spTree>
     <p:extLst>
       <p:ext uri="{BB962C8B-B14F-4D97-AF65-F5344CB8AC3E}">
-        <p14:creationId xmlns:p14="http://schemas.microsoft.com/office/powerpoint/2010/main" xmlns="" val="1444130768"/>
+        <p14:creationId xmlns:p14="http://schemas.microsoft.com/office/powerpoint/2010/main" val="1444130768"/>
       </p:ext>
     </p:extLst>
   </p:cSld>
@@ -9347,7 +9331,7 @@
           <a:blip r:embed="rId3" cstate="print">
             <a:extLst>
               <a:ext uri="{28A0092B-C50C-407E-A947-70E740481C1C}">
-                <a14:useLocalDpi xmlns:a14="http://schemas.microsoft.com/office/drawing/2010/main" xmlns="" val="0"/>
+                <a14:useLocalDpi xmlns:a14="http://schemas.microsoft.com/office/drawing/2010/main" val="0"/>
               </a:ext>
             </a:extLst>
           </a:blip>
@@ -9367,7 +9351,7 @@
           <a:noFill/>
           <a:extLst>
             <a:ext uri="{909E8E84-426E-40DD-AFC4-6F175D3DCCD1}">
-              <a14:hiddenFill xmlns:a14="http://schemas.microsoft.com/office/drawing/2010/main" xmlns="">
+              <a14:hiddenFill xmlns:a14="http://schemas.microsoft.com/office/drawing/2010/main">
                 <a:solidFill>
                   <a:srgbClr val="FFFFFF"/>
                 </a:solidFill>
@@ -9379,7 +9363,7 @@
     </p:spTree>
     <p:extLst>
       <p:ext uri="{BB962C8B-B14F-4D97-AF65-F5344CB8AC3E}">
-        <p14:creationId xmlns:p14="http://schemas.microsoft.com/office/powerpoint/2010/main" xmlns="" val="1384195298"/>
+        <p14:creationId xmlns:p14="http://schemas.microsoft.com/office/powerpoint/2010/main" val="1384195298"/>
       </p:ext>
     </p:extLst>
   </p:cSld>
